--- a/承载网故障检测项目工作汇报.pptx
+++ b/承载网故障检测项目工作汇报.pptx
@@ -5,7 +5,7 @@
     <p:sldMasterId id="2147483648" r:id="rId1"/>
   </p:sldMasterIdLst>
   <p:notesMasterIdLst>
-    <p:notesMasterId r:id="rId25"/>
+    <p:notesMasterId r:id="rId29"/>
   </p:notesMasterIdLst>
   <p:sldIdLst>
     <p:sldId id="256" r:id="rId3"/>
@@ -27,14 +27,18 @@
     <p:sldId id="370" r:id="rId19"/>
     <p:sldId id="371" r:id="rId20"/>
     <p:sldId id="372" r:id="rId21"/>
-    <p:sldId id="375" r:id="rId22"/>
-    <p:sldId id="374" r:id="rId23"/>
-    <p:sldId id="265" r:id="rId24"/>
+    <p:sldId id="384" r:id="rId22"/>
+    <p:sldId id="378" r:id="rId23"/>
+    <p:sldId id="379" r:id="rId24"/>
+    <p:sldId id="380" r:id="rId25"/>
+    <p:sldId id="382" r:id="rId26"/>
+    <p:sldId id="385" r:id="rId27"/>
+    <p:sldId id="265" r:id="rId28"/>
   </p:sldIdLst>
   <p:sldSz cx="12192000" cy="6858000"/>
   <p:notesSz cx="7103745" cy="10234295"/>
   <p:custDataLst>
-    <p:tags r:id="rId29"/>
+    <p:tags r:id="rId33"/>
   </p:custDataLst>
   <p:defaultTextStyle>
     <a:defPPr>
@@ -6624,14 +6628,14 @@
                 <a:latin typeface="微软雅黑" panose="020B0503020204020204" charset="-122"/>
                 <a:ea typeface="微软雅黑" panose="020B0503020204020204" charset="-122"/>
               </a:rPr>
-              <a:t>频繁序列挖掘</a:t>
-            </a:r>
-            <a:r>
-              <a:rPr lang="zh-CN" altLang="en-US">
-                <a:latin typeface="微软雅黑" panose="020B0503020204020204" charset="-122"/>
-                <a:ea typeface="微软雅黑" panose="020B0503020204020204" charset="-122"/>
-              </a:rPr>
-              <a:t>测试</a:t>
+              <a:t>找了个数据挖掘库，换方法来</a:t>
+            </a:r>
+            <a:r>
+              <a:rPr lang="zh-CN" altLang="en-US">
+                <a:latin typeface="微软雅黑" panose="020B0503020204020204" charset="-122"/>
+                <a:ea typeface="微软雅黑" panose="020B0503020204020204" charset="-122"/>
+              </a:rPr>
+              <a:t>绕开专利</a:t>
             </a:r>
             <a:endParaRPr lang="zh-CN" altLang="en-US">
               <a:latin typeface="微软雅黑" panose="020B0503020204020204" charset="-122"/>
@@ -6647,48 +6651,6 @@
           </a:p>
           <a:p>
             <a:pPr lvl="1"/>
-            <a:endParaRPr lang="zh-CN" altLang="en-US">
-              <a:latin typeface="微软雅黑" panose="020B0503020204020204" charset="-122"/>
-              <a:ea typeface="微软雅黑" panose="020B0503020204020204" charset="-122"/>
-            </a:endParaRPr>
-          </a:p>
-          <a:p>
-            <a:pPr lvl="1"/>
-            <a:endParaRPr lang="zh-CN" altLang="en-US">
-              <a:latin typeface="微软雅黑" panose="020B0503020204020204" charset="-122"/>
-              <a:ea typeface="微软雅黑" panose="020B0503020204020204" charset="-122"/>
-            </a:endParaRPr>
-          </a:p>
-          <a:p>
-            <a:pPr lvl="1"/>
-            <a:endParaRPr lang="zh-CN" altLang="en-US">
-              <a:latin typeface="微软雅黑" panose="020B0503020204020204" charset="-122"/>
-              <a:ea typeface="微软雅黑" panose="020B0503020204020204" charset="-122"/>
-            </a:endParaRPr>
-          </a:p>
-          <a:p>
-            <a:pPr lvl="1"/>
-            <a:endParaRPr lang="zh-CN" altLang="en-US">
-              <a:latin typeface="微软雅黑" panose="020B0503020204020204" charset="-122"/>
-              <a:ea typeface="微软雅黑" panose="020B0503020204020204" charset="-122"/>
-            </a:endParaRPr>
-          </a:p>
-          <a:p>
-            <a:pPr lvl="1"/>
-            <a:r>
-              <a:rPr lang="zh-CN" altLang="en-US">
-                <a:latin typeface="微软雅黑" panose="020B0503020204020204" charset="-122"/>
-                <a:ea typeface="微软雅黑" panose="020B0503020204020204" charset="-122"/>
-              </a:rPr>
-              <a:t>序列规则挖掘</a:t>
-            </a:r>
-            <a:r>
-              <a:rPr lang="zh-CN" altLang="en-US">
-                <a:latin typeface="微软雅黑" panose="020B0503020204020204" charset="-122"/>
-                <a:ea typeface="微软雅黑" panose="020B0503020204020204" charset="-122"/>
-              </a:rPr>
-              <a:t>测试</a:t>
-            </a:r>
             <a:endParaRPr lang="zh-CN" altLang="en-US">
               <a:latin typeface="微软雅黑" panose="020B0503020204020204" charset="-122"/>
               <a:ea typeface="微软雅黑" panose="020B0503020204020204" charset="-122"/>
@@ -6728,7 +6690,7 @@
       </p:sp>
       <p:pic>
         <p:nvPicPr>
-          <p:cNvPr id="6" name="图片 5"/>
+          <p:cNvPr id="5" name="图片 4"/>
           <p:cNvPicPr>
             <a:picLocks noChangeAspect="1"/>
           </p:cNvPicPr>
@@ -6746,8 +6708,36 @@
         </p:blipFill>
         <p:spPr>
           <a:xfrm>
-            <a:off x="516255" y="2647315"/>
-            <a:ext cx="11437620" cy="1123315"/>
+            <a:off x="1177290" y="2636520"/>
+            <a:ext cx="4191635" cy="3935730"/>
+          </a:xfrm>
+          <a:prstGeom prst="rect">
+            <a:avLst/>
+          </a:prstGeom>
+        </p:spPr>
+      </p:pic>
+      <p:pic>
+        <p:nvPicPr>
+          <p:cNvPr id="6" name="图片 5"/>
+          <p:cNvPicPr>
+            <a:picLocks noChangeAspect="1"/>
+          </p:cNvPicPr>
+          <p:nvPr>
+            <p:custDataLst>
+              <p:tags r:id="rId3"/>
+            </p:custDataLst>
+          </p:nvPr>
+        </p:nvPicPr>
+        <p:blipFill>
+          <a:blip r:embed="rId4"/>
+          <a:stretch>
+            <a:fillRect/>
+          </a:stretch>
+        </p:blipFill>
+        <p:spPr>
+          <a:xfrm>
+            <a:off x="6142355" y="2525395"/>
+            <a:ext cx="4202430" cy="1967865"/>
           </a:xfrm>
           <a:prstGeom prst="rect">
             <a:avLst/>
@@ -6762,20 +6752,20 @@
           </p:cNvPicPr>
           <p:nvPr>
             <p:custDataLst>
-              <p:tags r:id="rId3"/>
+              <p:tags r:id="rId5"/>
             </p:custDataLst>
           </p:nvPr>
         </p:nvPicPr>
         <p:blipFill>
-          <a:blip r:embed="rId4"/>
+          <a:blip r:embed="rId6"/>
           <a:stretch>
             <a:fillRect/>
           </a:stretch>
         </p:blipFill>
         <p:spPr>
           <a:xfrm>
-            <a:off x="1450975" y="4634230"/>
-            <a:ext cx="4678680" cy="944880"/>
+            <a:off x="5692775" y="4555490"/>
+            <a:ext cx="5822950" cy="2016760"/>
           </a:xfrm>
           <a:prstGeom prst="rect">
             <a:avLst/>
@@ -6820,7 +6810,7 @@
         <p:spPr/>
         <p:txBody>
           <a:bodyPr>
-            <a:normAutofit lnSpcReduction="10000"/>
+            <a:normAutofit lnSpcReduction="20000"/>
           </a:bodyPr>
           <a:lstStyle/>
           <a:p>
@@ -6852,7 +6842,7 @@
               </a:rPr>
               <a:t>）</a:t>
             </a:r>
-            <a:endParaRPr lang="en-US" altLang="zh-CN">
+            <a:endParaRPr lang="zh-CN" altLang="en-US">
               <a:latin typeface="微软雅黑" panose="020B0503020204020204" charset="-122"/>
               <a:ea typeface="微软雅黑" panose="020B0503020204020204" charset="-122"/>
             </a:endParaRPr>
@@ -6863,172 +6853,22 @@
               <a:rPr lang="zh-CN" altLang="en-US">
                 <a:latin typeface="微软雅黑" panose="020B0503020204020204" charset="-122"/>
                 <a:ea typeface="微软雅黑" panose="020B0503020204020204" charset="-122"/>
-                <a:sym typeface="+mn-ea"/>
-              </a:rPr>
-              <a:t>目前是在基于时间间隔阈值的基础上直接对整个</a:t>
-            </a:r>
-            <a:r>
-              <a:rPr lang="zh-CN" altLang="en-US">
-                <a:latin typeface="微软雅黑" panose="020B0503020204020204" charset="-122"/>
-                <a:ea typeface="微软雅黑" panose="020B0503020204020204" charset="-122"/>
-                <a:sym typeface="+mn-ea"/>
-              </a:rPr>
-              <a:t>告警库</a:t>
-            </a:r>
-            <a:r>
-              <a:rPr lang="zh-CN" altLang="en-US">
-                <a:latin typeface="微软雅黑" panose="020B0503020204020204" charset="-122"/>
-                <a:ea typeface="微软雅黑" panose="020B0503020204020204" charset="-122"/>
-                <a:sym typeface="+mn-ea"/>
-              </a:rPr>
-              <a:t>扫描生成序列库，一个序列中可能包含多个设备，需要</a:t>
-            </a:r>
-            <a:r>
-              <a:rPr lang="zh-CN" altLang="en-US">
-                <a:latin typeface="微软雅黑" panose="020B0503020204020204" charset="-122"/>
-                <a:ea typeface="微软雅黑" panose="020B0503020204020204" charset="-122"/>
-              </a:rPr>
-              <a:t>思考告警序列中</a:t>
-            </a:r>
-            <a:r>
-              <a:rPr lang="zh-CN" altLang="en-US">
-                <a:latin typeface="微软雅黑" panose="020B0503020204020204" charset="-122"/>
-                <a:ea typeface="微软雅黑" panose="020B0503020204020204" charset="-122"/>
-              </a:rPr>
-              <a:t>项的维度选择</a:t>
-            </a:r>
-            <a:r>
-              <a:rPr lang="zh-CN" altLang="en-US">
-                <a:latin typeface="微软雅黑" panose="020B0503020204020204" charset="-122"/>
-                <a:ea typeface="微软雅黑" panose="020B0503020204020204" charset="-122"/>
-              </a:rPr>
-              <a:t>问题：</a:t>
-            </a:r>
-            <a:endParaRPr lang="zh-CN" altLang="en-US">
-              <a:latin typeface="微软雅黑" panose="020B0503020204020204" charset="-122"/>
-              <a:ea typeface="微软雅黑" panose="020B0503020204020204" charset="-122"/>
-            </a:endParaRPr>
-          </a:p>
-          <a:p>
-            <a:pPr lvl="2"/>
-            <a:r>
-              <a:rPr lang="zh-CN" altLang="en-US" sz="2000">
-                <a:latin typeface="微软雅黑" panose="020B0503020204020204" charset="-122"/>
-                <a:ea typeface="微软雅黑" panose="020B0503020204020204" charset="-122"/>
-              </a:rPr>
-              <a:t>二维：告警设备</a:t>
-            </a:r>
-            <a:r>
-              <a:rPr lang="en-US" altLang="zh-CN" sz="2000">
-                <a:latin typeface="微软雅黑" panose="020B0503020204020204" charset="-122"/>
-                <a:ea typeface="微软雅黑" panose="020B0503020204020204" charset="-122"/>
-              </a:rPr>
-              <a:t>+</a:t>
-            </a:r>
-            <a:r>
-              <a:rPr lang="zh-CN" altLang="en-US" sz="2000">
-                <a:latin typeface="微软雅黑" panose="020B0503020204020204" charset="-122"/>
-                <a:ea typeface="微软雅黑" panose="020B0503020204020204" charset="-122"/>
-              </a:rPr>
-              <a:t>告警类型（综合考虑，坏处是数据集大、各类算法可能开销</a:t>
-            </a:r>
-            <a:r>
-              <a:rPr lang="zh-CN" altLang="en-US" sz="2000">
-                <a:latin typeface="微软雅黑" panose="020B0503020204020204" charset="-122"/>
-                <a:ea typeface="微软雅黑" panose="020B0503020204020204" charset="-122"/>
-              </a:rPr>
-              <a:t>过大）</a:t>
-            </a:r>
-            <a:endParaRPr lang="zh-CN" altLang="en-US" sz="2000">
-              <a:latin typeface="微软雅黑" panose="020B0503020204020204" charset="-122"/>
-              <a:ea typeface="微软雅黑" panose="020B0503020204020204" charset="-122"/>
-            </a:endParaRPr>
-          </a:p>
-          <a:p>
-            <a:pPr lvl="2"/>
-            <a:r>
-              <a:rPr lang="zh-CN" altLang="en-US">
-                <a:latin typeface="微软雅黑" panose="020B0503020204020204" charset="-122"/>
-                <a:ea typeface="微软雅黑" panose="020B0503020204020204" charset="-122"/>
-              </a:rPr>
-              <a:t>一维：告警类型（仅考虑告警种类上的传播关系，例如</a:t>
+              </a:rPr>
+              <a:t>频繁</a:t>
+            </a:r>
+            <a:r>
+              <a:rPr lang="zh-CN" altLang="en-US">
+                <a:latin typeface="微软雅黑" panose="020B0503020204020204" charset="-122"/>
+                <a:ea typeface="微软雅黑" panose="020B0503020204020204" charset="-122"/>
+              </a:rPr>
+              <a:t>项挖掘测试</a:t>
             </a:r>
             <a:r>
               <a:rPr lang="en-US" altLang="zh-CN">
                 <a:latin typeface="微软雅黑" panose="020B0503020204020204" charset="-122"/>
                 <a:ea typeface="微软雅黑" panose="020B0503020204020204" charset="-122"/>
               </a:rPr>
-              <a:t>a</a:t>
-            </a:r>
-            <a:r>
-              <a:rPr lang="zh-CN" altLang="en-US">
-                <a:latin typeface="微软雅黑" panose="020B0503020204020204" charset="-122"/>
-                <a:ea typeface="微软雅黑" panose="020B0503020204020204" charset="-122"/>
-              </a:rPr>
-              <a:t>类告警引起</a:t>
-            </a:r>
-            <a:r>
-              <a:rPr lang="en-US" altLang="zh-CN">
-                <a:latin typeface="微软雅黑" panose="020B0503020204020204" charset="-122"/>
-                <a:ea typeface="微软雅黑" panose="020B0503020204020204" charset="-122"/>
-              </a:rPr>
-              <a:t>b</a:t>
-            </a:r>
-            <a:r>
-              <a:rPr lang="zh-CN" altLang="en-US">
-                <a:latin typeface="微软雅黑" panose="020B0503020204020204" charset="-122"/>
-                <a:ea typeface="微软雅黑" panose="020B0503020204020204" charset="-122"/>
-              </a:rPr>
-              <a:t>类</a:t>
-            </a:r>
-            <a:r>
-              <a:rPr lang="zh-CN" altLang="en-US">
-                <a:latin typeface="微软雅黑" panose="020B0503020204020204" charset="-122"/>
-                <a:ea typeface="微软雅黑" panose="020B0503020204020204" charset="-122"/>
-              </a:rPr>
-              <a:t>告警）</a:t>
-            </a:r>
-            <a:endParaRPr lang="zh-CN" altLang="en-US">
-              <a:latin typeface="微软雅黑" panose="020B0503020204020204" charset="-122"/>
-              <a:ea typeface="微软雅黑" panose="020B0503020204020204" charset="-122"/>
-            </a:endParaRPr>
-          </a:p>
-          <a:p>
-            <a:pPr lvl="2"/>
-            <a:r>
-              <a:rPr lang="zh-CN" altLang="en-US">
-                <a:latin typeface="微软雅黑" panose="020B0503020204020204" charset="-122"/>
-                <a:ea typeface="微软雅黑" panose="020B0503020204020204" charset="-122"/>
-              </a:rPr>
-              <a:t>一维：告警设备（仅考虑从空间上的传播关系，例如从</a:t>
-            </a:r>
-            <a:r>
-              <a:rPr lang="en-US" altLang="zh-CN">
-                <a:latin typeface="微软雅黑" panose="020B0503020204020204" charset="-122"/>
-                <a:ea typeface="微软雅黑" panose="020B0503020204020204" charset="-122"/>
-              </a:rPr>
-              <a:t>a</a:t>
-            </a:r>
-            <a:r>
-              <a:rPr lang="zh-CN" altLang="en-US">
-                <a:latin typeface="微软雅黑" panose="020B0503020204020204" charset="-122"/>
-                <a:ea typeface="微软雅黑" panose="020B0503020204020204" charset="-122"/>
-              </a:rPr>
-              <a:t>设备到</a:t>
-            </a:r>
-            <a:r>
-              <a:rPr lang="en-US" altLang="zh-CN">
-                <a:latin typeface="微软雅黑" panose="020B0503020204020204" charset="-122"/>
-                <a:ea typeface="微软雅黑" panose="020B0503020204020204" charset="-122"/>
-              </a:rPr>
-              <a:t>b</a:t>
-            </a:r>
-            <a:r>
-              <a:rPr lang="zh-CN" altLang="en-US">
-                <a:latin typeface="微软雅黑" panose="020B0503020204020204" charset="-122"/>
-                <a:ea typeface="微软雅黑" panose="020B0503020204020204" charset="-122"/>
-              </a:rPr>
-              <a:t>设备）</a:t>
+              <a:t>(Apriori)</a:t>
             </a:r>
             <a:endParaRPr lang="zh-CN" altLang="en-US">
               <a:latin typeface="微软雅黑" panose="020B0503020204020204" charset="-122"/>
@@ -7044,56 +6884,13 @@
           </a:p>
           <a:p>
             <a:pPr lvl="1"/>
-            <a:r>
-              <a:rPr lang="zh-CN" altLang="en-US">
-                <a:latin typeface="微软雅黑" panose="020B0503020204020204" charset="-122"/>
-                <a:ea typeface="微软雅黑" panose="020B0503020204020204" charset="-122"/>
-              </a:rPr>
-              <a:t>另一种思路是：先按</a:t>
-            </a:r>
-            <a:r>
-              <a:rPr lang="zh-CN" altLang="en-US">
-                <a:latin typeface="微软雅黑" panose="020B0503020204020204" charset="-122"/>
-                <a:ea typeface="微软雅黑" panose="020B0503020204020204" charset="-122"/>
-                <a:sym typeface="+mn-ea"/>
-              </a:rPr>
-              <a:t>对整个告警库按</a:t>
-            </a:r>
-            <a:r>
-              <a:rPr lang="zh-CN" altLang="en-US">
-                <a:latin typeface="微软雅黑" panose="020B0503020204020204" charset="-122"/>
-                <a:ea typeface="微软雅黑" panose="020B0503020204020204" charset="-122"/>
-              </a:rPr>
-              <a:t>设备</a:t>
-            </a:r>
-            <a:r>
-              <a:rPr lang="en-US" altLang="zh-CN">
-                <a:latin typeface="微软雅黑" panose="020B0503020204020204" charset="-122"/>
-                <a:ea typeface="微软雅黑" panose="020B0503020204020204" charset="-122"/>
-              </a:rPr>
-              <a:t>ID</a:t>
-            </a:r>
-            <a:r>
-              <a:rPr lang="zh-CN" altLang="en-US">
-                <a:latin typeface="微软雅黑" panose="020B0503020204020204" charset="-122"/>
-                <a:ea typeface="微软雅黑" panose="020B0503020204020204" charset="-122"/>
-              </a:rPr>
-              <a:t>分类，对每个设备的所有告警基于时间间隔阈值、按告警类型生成序列库，这样挖掘出来的告警类型的序列模式可能会更适合</a:t>
-            </a:r>
-            <a:r>
-              <a:rPr lang="zh-CN" altLang="en-US">
-                <a:latin typeface="微软雅黑" panose="020B0503020204020204" charset="-122"/>
-                <a:ea typeface="微软雅黑" panose="020B0503020204020204" charset="-122"/>
-              </a:rPr>
-              <a:t>大多数设备</a:t>
-            </a:r>
             <a:endParaRPr lang="zh-CN" altLang="en-US">
               <a:latin typeface="微软雅黑" panose="020B0503020204020204" charset="-122"/>
               <a:ea typeface="微软雅黑" panose="020B0503020204020204" charset="-122"/>
             </a:endParaRPr>
           </a:p>
           <a:p>
-            <a:pPr lvl="2"/>
+            <a:pPr lvl="1"/>
             <a:endParaRPr lang="zh-CN" altLang="en-US">
               <a:latin typeface="微软雅黑" panose="020B0503020204020204" charset="-122"/>
               <a:ea typeface="微软雅黑" panose="020B0503020204020204" charset="-122"/>
@@ -7124,6 +6921,34 @@
           </a:p>
         </p:txBody>
       </p:sp>
+      <p:pic>
+        <p:nvPicPr>
+          <p:cNvPr id="4" name="图片 3"/>
+          <p:cNvPicPr>
+            <a:picLocks noChangeAspect="1"/>
+          </p:cNvPicPr>
+          <p:nvPr>
+            <p:custDataLst>
+              <p:tags r:id="rId1"/>
+            </p:custDataLst>
+          </p:nvPr>
+        </p:nvPicPr>
+        <p:blipFill>
+          <a:blip r:embed="rId2"/>
+          <a:stretch>
+            <a:fillRect/>
+          </a:stretch>
+        </p:blipFill>
+        <p:spPr>
+          <a:xfrm>
+            <a:off x="448310" y="2614295"/>
+            <a:ext cx="11490960" cy="2773680"/>
+          </a:xfrm>
+          <a:prstGeom prst="rect">
+            <a:avLst/>
+          </a:prstGeom>
+        </p:spPr>
+      </p:pic>
     </p:spTree>
   </p:cSld>
   <p:clrMapOvr>
@@ -7133,6 +6958,963 @@
 </file>
 
 <file path=ppt/slides/slide22.xml><?xml version="1.0" encoding="utf-8"?>
+<p:sld xmlns:a="http://schemas.openxmlformats.org/drawingml/2006/main" xmlns:r="http://schemas.openxmlformats.org/officeDocument/2006/relationships" xmlns:p="http://schemas.openxmlformats.org/presentationml/2006/main">
+  <p:cSld>
+    <p:spTree>
+      <p:nvGrpSpPr>
+        <p:cNvPr id="1" name=""/>
+        <p:cNvGrpSpPr/>
+        <p:nvPr/>
+      </p:nvGrpSpPr>
+      <p:grpSpPr>
+        <a:xfrm>
+          <a:off x="0" y="0"/>
+          <a:ext cx="0" cy="0"/>
+          <a:chOff x="0" y="0"/>
+          <a:chExt cx="0" cy="0"/>
+        </a:xfrm>
+      </p:grpSpPr>
+      <p:sp>
+        <p:nvSpPr>
+          <p:cNvPr id="2" name="内容占位符 1"/>
+          <p:cNvSpPr>
+            <a:spLocks noGrp="1"/>
+          </p:cNvSpPr>
+          <p:nvPr>
+            <p:ph idx="1"/>
+          </p:nvPr>
+        </p:nvSpPr>
+        <p:spPr/>
+        <p:txBody>
+          <a:bodyPr>
+            <a:normAutofit lnSpcReduction="20000"/>
+          </a:bodyPr>
+          <a:lstStyle/>
+          <a:p>
+            <a:r>
+              <a:rPr lang="zh-CN" altLang="en-US">
+                <a:latin typeface="微软雅黑" panose="020B0503020204020204" charset="-122"/>
+                <a:ea typeface="微软雅黑" panose="020B0503020204020204" charset="-122"/>
+              </a:rPr>
+              <a:t>工作总结（</a:t>
+            </a:r>
+            <a:r>
+              <a:rPr lang="en-US" altLang="zh-CN">
+                <a:latin typeface="微软雅黑" panose="020B0503020204020204" charset="-122"/>
+                <a:ea typeface="微软雅黑" panose="020B0503020204020204" charset="-122"/>
+              </a:rPr>
+              <a:t>3.3</a:t>
+            </a:r>
+            <a:r>
+              <a:rPr lang="en-US" altLang="zh-CN">
+                <a:latin typeface="微软雅黑" panose="020B0503020204020204" charset="-122"/>
+                <a:ea typeface="微软雅黑" panose="020B0503020204020204" charset="-122"/>
+              </a:rPr>
+              <a:t>-</a:t>
+            </a:r>
+            <a:r>
+              <a:rPr lang="zh-CN" altLang="en-US">
+                <a:latin typeface="微软雅黑" panose="020B0503020204020204" charset="-122"/>
+                <a:ea typeface="微软雅黑" panose="020B0503020204020204" charset="-122"/>
+              </a:rPr>
+              <a:t>）</a:t>
+            </a:r>
+            <a:endParaRPr lang="zh-CN" altLang="en-US">
+              <a:latin typeface="微软雅黑" panose="020B0503020204020204" charset="-122"/>
+              <a:ea typeface="微软雅黑" panose="020B0503020204020204" charset="-122"/>
+            </a:endParaRPr>
+          </a:p>
+          <a:p>
+            <a:pPr lvl="1"/>
+            <a:r>
+              <a:rPr lang="zh-CN" altLang="en-US">
+                <a:latin typeface="微软雅黑" panose="020B0503020204020204" charset="-122"/>
+                <a:ea typeface="微软雅黑" panose="020B0503020204020204" charset="-122"/>
+              </a:rPr>
+              <a:t>对照原表查找两地告警数据，发现告警时间大部分重合，符合预期</a:t>
+            </a:r>
+            <a:r>
+              <a:rPr lang="zh-CN" altLang="en-US">
+                <a:latin typeface="微软雅黑" panose="020B0503020204020204" charset="-122"/>
+                <a:ea typeface="微软雅黑" panose="020B0503020204020204" charset="-122"/>
+              </a:rPr>
+              <a:t>效果</a:t>
+            </a:r>
+            <a:endParaRPr lang="zh-CN" altLang="en-US">
+              <a:latin typeface="微软雅黑" panose="020B0503020204020204" charset="-122"/>
+              <a:ea typeface="微软雅黑" panose="020B0503020204020204" charset="-122"/>
+            </a:endParaRPr>
+          </a:p>
+          <a:p>
+            <a:pPr lvl="1"/>
+            <a:endParaRPr lang="zh-CN" altLang="en-US">
+              <a:latin typeface="微软雅黑" panose="020B0503020204020204" charset="-122"/>
+              <a:ea typeface="微软雅黑" panose="020B0503020204020204" charset="-122"/>
+            </a:endParaRPr>
+          </a:p>
+          <a:p>
+            <a:pPr lvl="1"/>
+            <a:endParaRPr lang="zh-CN" altLang="en-US">
+              <a:latin typeface="微软雅黑" panose="020B0503020204020204" charset="-122"/>
+              <a:ea typeface="微软雅黑" panose="020B0503020204020204" charset="-122"/>
+            </a:endParaRPr>
+          </a:p>
+          <a:p>
+            <a:pPr lvl="1"/>
+            <a:endParaRPr lang="zh-CN" altLang="en-US">
+              <a:latin typeface="微软雅黑" panose="020B0503020204020204" charset="-122"/>
+              <a:ea typeface="微软雅黑" panose="020B0503020204020204" charset="-122"/>
+            </a:endParaRPr>
+          </a:p>
+        </p:txBody>
+      </p:sp>
+      <p:sp>
+        <p:nvSpPr>
+          <p:cNvPr id="3" name="标题 2"/>
+          <p:cNvSpPr>
+            <a:spLocks noGrp="1"/>
+          </p:cNvSpPr>
+          <p:nvPr>
+            <p:ph type="title"/>
+          </p:nvPr>
+        </p:nvSpPr>
+        <p:spPr/>
+        <p:txBody>
+          <a:bodyPr/>
+          <a:lstStyle/>
+          <a:p>
+            <a:r>
+              <a:rPr lang="zh-CN" altLang="en-US"/>
+              <a:t>工作总结</a:t>
+            </a:r>
+            <a:endParaRPr lang="zh-CN" altLang="en-US"/>
+          </a:p>
+        </p:txBody>
+      </p:sp>
+      <p:pic>
+        <p:nvPicPr>
+          <p:cNvPr id="5" name="图片 4"/>
+          <p:cNvPicPr>
+            <a:picLocks noChangeAspect="1"/>
+          </p:cNvPicPr>
+          <p:nvPr>
+            <p:custDataLst>
+              <p:tags r:id="rId1"/>
+            </p:custDataLst>
+          </p:nvPr>
+        </p:nvPicPr>
+        <p:blipFill>
+          <a:blip r:embed="rId2"/>
+          <a:stretch>
+            <a:fillRect/>
+          </a:stretch>
+        </p:blipFill>
+        <p:spPr>
+          <a:xfrm>
+            <a:off x="1366520" y="2548255"/>
+            <a:ext cx="4985385" cy="4201795"/>
+          </a:xfrm>
+          <a:prstGeom prst="rect">
+            <a:avLst/>
+          </a:prstGeom>
+        </p:spPr>
+      </p:pic>
+      <p:pic>
+        <p:nvPicPr>
+          <p:cNvPr id="6" name="图片 5"/>
+          <p:cNvPicPr>
+            <a:picLocks noChangeAspect="1"/>
+          </p:cNvPicPr>
+          <p:nvPr>
+            <p:custDataLst>
+              <p:tags r:id="rId3"/>
+            </p:custDataLst>
+          </p:nvPr>
+        </p:nvPicPr>
+        <p:blipFill>
+          <a:blip r:embed="rId4"/>
+          <a:stretch>
+            <a:fillRect/>
+          </a:stretch>
+        </p:blipFill>
+        <p:spPr>
+          <a:xfrm>
+            <a:off x="6351905" y="2548255"/>
+            <a:ext cx="5391785" cy="4222115"/>
+          </a:xfrm>
+          <a:prstGeom prst="rect">
+            <a:avLst/>
+          </a:prstGeom>
+        </p:spPr>
+      </p:pic>
+    </p:spTree>
+  </p:cSld>
+  <p:clrMapOvr>
+    <a:masterClrMapping/>
+  </p:clrMapOvr>
+</p:sld>
+</file>
+
+<file path=ppt/slides/slide23.xml><?xml version="1.0" encoding="utf-8"?>
+<p:sld xmlns:a="http://schemas.openxmlformats.org/drawingml/2006/main" xmlns:r="http://schemas.openxmlformats.org/officeDocument/2006/relationships" xmlns:p="http://schemas.openxmlformats.org/presentationml/2006/main">
+  <p:cSld>
+    <p:spTree>
+      <p:nvGrpSpPr>
+        <p:cNvPr id="1" name=""/>
+        <p:cNvGrpSpPr/>
+        <p:nvPr/>
+      </p:nvGrpSpPr>
+      <p:grpSpPr>
+        <a:xfrm>
+          <a:off x="0" y="0"/>
+          <a:ext cx="0" cy="0"/>
+          <a:chOff x="0" y="0"/>
+          <a:chExt cx="0" cy="0"/>
+        </a:xfrm>
+      </p:grpSpPr>
+      <p:sp>
+        <p:nvSpPr>
+          <p:cNvPr id="2" name="内容占位符 1"/>
+          <p:cNvSpPr>
+            <a:spLocks noGrp="1"/>
+          </p:cNvSpPr>
+          <p:nvPr>
+            <p:ph idx="1"/>
+          </p:nvPr>
+        </p:nvSpPr>
+        <p:spPr/>
+        <p:txBody>
+          <a:bodyPr>
+            <a:normAutofit lnSpcReduction="20000"/>
+          </a:bodyPr>
+          <a:lstStyle/>
+          <a:p>
+            <a:r>
+              <a:rPr lang="zh-CN" altLang="en-US">
+                <a:latin typeface="微软雅黑" panose="020B0503020204020204" charset="-122"/>
+                <a:ea typeface="微软雅黑" panose="020B0503020204020204" charset="-122"/>
+              </a:rPr>
+              <a:t>工作总结（</a:t>
+            </a:r>
+            <a:r>
+              <a:rPr lang="en-US" altLang="zh-CN">
+                <a:latin typeface="微软雅黑" panose="020B0503020204020204" charset="-122"/>
+                <a:ea typeface="微软雅黑" panose="020B0503020204020204" charset="-122"/>
+              </a:rPr>
+              <a:t>3.3</a:t>
+            </a:r>
+            <a:r>
+              <a:rPr lang="en-US" altLang="zh-CN">
+                <a:latin typeface="微软雅黑" panose="020B0503020204020204" charset="-122"/>
+                <a:ea typeface="微软雅黑" panose="020B0503020204020204" charset="-122"/>
+              </a:rPr>
+              <a:t>-</a:t>
+            </a:r>
+            <a:r>
+              <a:rPr lang="zh-CN" altLang="en-US">
+                <a:latin typeface="微软雅黑" panose="020B0503020204020204" charset="-122"/>
+                <a:ea typeface="微软雅黑" panose="020B0503020204020204" charset="-122"/>
+              </a:rPr>
+              <a:t>）</a:t>
+            </a:r>
+            <a:endParaRPr lang="zh-CN" altLang="en-US">
+              <a:latin typeface="微软雅黑" panose="020B0503020204020204" charset="-122"/>
+              <a:ea typeface="微软雅黑" panose="020B0503020204020204" charset="-122"/>
+            </a:endParaRPr>
+          </a:p>
+          <a:p>
+            <a:pPr lvl="1"/>
+            <a:r>
+              <a:rPr lang="zh-CN" altLang="en-US">
+                <a:latin typeface="微软雅黑" panose="020B0503020204020204" charset="-122"/>
+                <a:ea typeface="微软雅黑" panose="020B0503020204020204" charset="-122"/>
+              </a:rPr>
+              <a:t>关联规则挖掘测试</a:t>
+            </a:r>
+            <a:endParaRPr lang="zh-CN" altLang="en-US">
+              <a:latin typeface="微软雅黑" panose="020B0503020204020204" charset="-122"/>
+              <a:ea typeface="微软雅黑" panose="020B0503020204020204" charset="-122"/>
+            </a:endParaRPr>
+          </a:p>
+          <a:p>
+            <a:pPr lvl="1"/>
+            <a:r>
+              <a:rPr lang="zh-CN" altLang="en-US">
+                <a:latin typeface="微软雅黑" panose="020B0503020204020204" charset="-122"/>
+                <a:ea typeface="微软雅黑" panose="020B0503020204020204" charset="-122"/>
+              </a:rPr>
+              <a:t>测点</a:t>
+            </a:r>
+            <a:r>
+              <a:rPr lang="en-US" altLang="zh-CN">
+                <a:latin typeface="微软雅黑" panose="020B0503020204020204" charset="-122"/>
+                <a:ea typeface="微软雅黑" panose="020B0503020204020204" charset="-122"/>
+              </a:rPr>
+              <a:t>272</a:t>
+            </a:r>
+            <a:r>
+              <a:rPr lang="zh-CN" altLang="en-US">
+                <a:latin typeface="微软雅黑" panose="020B0503020204020204" charset="-122"/>
+                <a:ea typeface="微软雅黑" panose="020B0503020204020204" charset="-122"/>
+              </a:rPr>
+              <a:t>告警的同时，</a:t>
+            </a:r>
+            <a:r>
+              <a:rPr lang="zh-CN" altLang="en-US">
+                <a:latin typeface="微软雅黑" panose="020B0503020204020204" charset="-122"/>
+                <a:ea typeface="微软雅黑" panose="020B0503020204020204" charset="-122"/>
+                <a:sym typeface="+mn-ea"/>
+              </a:rPr>
+              <a:t>测点</a:t>
+            </a:r>
+            <a:r>
+              <a:rPr lang="en-US" altLang="zh-CN">
+                <a:latin typeface="微软雅黑" panose="020B0503020204020204" charset="-122"/>
+                <a:ea typeface="微软雅黑" panose="020B0503020204020204" charset="-122"/>
+              </a:rPr>
+              <a:t>161</a:t>
+            </a:r>
+            <a:r>
+              <a:rPr lang="zh-CN" altLang="en-US">
+                <a:latin typeface="微软雅黑" panose="020B0503020204020204" charset="-122"/>
+                <a:ea typeface="微软雅黑" panose="020B0503020204020204" charset="-122"/>
+              </a:rPr>
+              <a:t>有</a:t>
+            </a:r>
+            <a:r>
+              <a:rPr lang="en-US" altLang="zh-CN">
+                <a:latin typeface="微软雅黑" panose="020B0503020204020204" charset="-122"/>
+                <a:ea typeface="微软雅黑" panose="020B0503020204020204" charset="-122"/>
+              </a:rPr>
+              <a:t>0.56</a:t>
+            </a:r>
+            <a:r>
+              <a:rPr lang="zh-CN" altLang="en-US">
+                <a:latin typeface="微软雅黑" panose="020B0503020204020204" charset="-122"/>
+                <a:ea typeface="微软雅黑" panose="020B0503020204020204" charset="-122"/>
+              </a:rPr>
+              <a:t>的概率也会告警，两者同时告警的情况出现了</a:t>
+            </a:r>
+            <a:r>
+              <a:rPr lang="en-US" altLang="zh-CN">
+                <a:latin typeface="微软雅黑" panose="020B0503020204020204" charset="-122"/>
+                <a:ea typeface="微软雅黑" panose="020B0503020204020204" charset="-122"/>
+              </a:rPr>
+              <a:t>35</a:t>
+            </a:r>
+            <a:r>
+              <a:rPr lang="zh-CN" altLang="en-US">
+                <a:latin typeface="微软雅黑" panose="020B0503020204020204" charset="-122"/>
+                <a:ea typeface="微软雅黑" panose="020B0503020204020204" charset="-122"/>
+              </a:rPr>
+              <a:t>次</a:t>
+            </a:r>
+            <a:endParaRPr lang="zh-CN" altLang="en-US">
+              <a:latin typeface="微软雅黑" panose="020B0503020204020204" charset="-122"/>
+              <a:ea typeface="微软雅黑" panose="020B0503020204020204" charset="-122"/>
+            </a:endParaRPr>
+          </a:p>
+          <a:p>
+            <a:pPr lvl="1"/>
+            <a:endParaRPr lang="zh-CN" altLang="en-US">
+              <a:latin typeface="微软雅黑" panose="020B0503020204020204" charset="-122"/>
+              <a:ea typeface="微软雅黑" panose="020B0503020204020204" charset="-122"/>
+            </a:endParaRPr>
+          </a:p>
+          <a:p>
+            <a:pPr lvl="1"/>
+            <a:endParaRPr lang="zh-CN" altLang="en-US">
+              <a:latin typeface="微软雅黑" panose="020B0503020204020204" charset="-122"/>
+              <a:ea typeface="微软雅黑" panose="020B0503020204020204" charset="-122"/>
+            </a:endParaRPr>
+          </a:p>
+          <a:p>
+            <a:pPr lvl="1"/>
+            <a:endParaRPr lang="zh-CN" altLang="en-US">
+              <a:latin typeface="微软雅黑" panose="020B0503020204020204" charset="-122"/>
+              <a:ea typeface="微软雅黑" panose="020B0503020204020204" charset="-122"/>
+            </a:endParaRPr>
+          </a:p>
+        </p:txBody>
+      </p:sp>
+      <p:sp>
+        <p:nvSpPr>
+          <p:cNvPr id="3" name="标题 2"/>
+          <p:cNvSpPr>
+            <a:spLocks noGrp="1"/>
+          </p:cNvSpPr>
+          <p:nvPr>
+            <p:ph type="title"/>
+          </p:nvPr>
+        </p:nvSpPr>
+        <p:spPr/>
+        <p:txBody>
+          <a:bodyPr/>
+          <a:lstStyle/>
+          <a:p>
+            <a:r>
+              <a:rPr lang="zh-CN" altLang="en-US"/>
+              <a:t>工作总结</a:t>
+            </a:r>
+            <a:endParaRPr lang="zh-CN" altLang="en-US"/>
+          </a:p>
+        </p:txBody>
+      </p:sp>
+      <p:pic>
+        <p:nvPicPr>
+          <p:cNvPr id="7" name="图片 6"/>
+          <p:cNvPicPr>
+            <a:picLocks noChangeAspect="1"/>
+          </p:cNvPicPr>
+          <p:nvPr>
+            <p:custDataLst>
+              <p:tags r:id="rId1"/>
+            </p:custDataLst>
+          </p:nvPr>
+        </p:nvPicPr>
+        <p:blipFill>
+          <a:blip r:embed="rId2"/>
+          <a:stretch>
+            <a:fillRect/>
+          </a:stretch>
+        </p:blipFill>
+        <p:spPr>
+          <a:xfrm>
+            <a:off x="102235" y="3750945"/>
+            <a:ext cx="11987530" cy="2158365"/>
+          </a:xfrm>
+          <a:prstGeom prst="rect">
+            <a:avLst/>
+          </a:prstGeom>
+        </p:spPr>
+      </p:pic>
+    </p:spTree>
+  </p:cSld>
+  <p:clrMapOvr>
+    <a:masterClrMapping/>
+  </p:clrMapOvr>
+</p:sld>
+</file>
+
+<file path=ppt/slides/slide24.xml><?xml version="1.0" encoding="utf-8"?>
+<p:sld xmlns:a="http://schemas.openxmlformats.org/drawingml/2006/main" xmlns:r="http://schemas.openxmlformats.org/officeDocument/2006/relationships" xmlns:p="http://schemas.openxmlformats.org/presentationml/2006/main">
+  <p:cSld>
+    <p:spTree>
+      <p:nvGrpSpPr>
+        <p:cNvPr id="1" name=""/>
+        <p:cNvGrpSpPr/>
+        <p:nvPr/>
+      </p:nvGrpSpPr>
+      <p:grpSpPr>
+        <a:xfrm>
+          <a:off x="0" y="0"/>
+          <a:ext cx="0" cy="0"/>
+          <a:chOff x="0" y="0"/>
+          <a:chExt cx="0" cy="0"/>
+        </a:xfrm>
+      </p:grpSpPr>
+      <p:sp>
+        <p:nvSpPr>
+          <p:cNvPr id="2" name="内容占位符 1"/>
+          <p:cNvSpPr>
+            <a:spLocks noGrp="1"/>
+          </p:cNvSpPr>
+          <p:nvPr>
+            <p:ph idx="1"/>
+          </p:nvPr>
+        </p:nvSpPr>
+        <p:spPr/>
+        <p:txBody>
+          <a:bodyPr>
+            <a:normAutofit lnSpcReduction="20000"/>
+          </a:bodyPr>
+          <a:lstStyle/>
+          <a:p>
+            <a:r>
+              <a:rPr lang="zh-CN" altLang="en-US">
+                <a:latin typeface="微软雅黑" panose="020B0503020204020204" charset="-122"/>
+                <a:ea typeface="微软雅黑" panose="020B0503020204020204" charset="-122"/>
+              </a:rPr>
+              <a:t>工作总结（</a:t>
+            </a:r>
+            <a:r>
+              <a:rPr lang="en-US" altLang="zh-CN">
+                <a:latin typeface="微软雅黑" panose="020B0503020204020204" charset="-122"/>
+                <a:ea typeface="微软雅黑" panose="020B0503020204020204" charset="-122"/>
+              </a:rPr>
+              <a:t>3.3</a:t>
+            </a:r>
+            <a:r>
+              <a:rPr lang="en-US" altLang="zh-CN">
+                <a:latin typeface="微软雅黑" panose="020B0503020204020204" charset="-122"/>
+                <a:ea typeface="微软雅黑" panose="020B0503020204020204" charset="-122"/>
+              </a:rPr>
+              <a:t>-</a:t>
+            </a:r>
+            <a:r>
+              <a:rPr lang="zh-CN" altLang="en-US">
+                <a:latin typeface="微软雅黑" panose="020B0503020204020204" charset="-122"/>
+                <a:ea typeface="微软雅黑" panose="020B0503020204020204" charset="-122"/>
+              </a:rPr>
+              <a:t>）</a:t>
+            </a:r>
+            <a:endParaRPr lang="zh-CN" altLang="en-US">
+              <a:latin typeface="微软雅黑" panose="020B0503020204020204" charset="-122"/>
+              <a:ea typeface="微软雅黑" panose="020B0503020204020204" charset="-122"/>
+            </a:endParaRPr>
+          </a:p>
+          <a:p>
+            <a:pPr lvl="1"/>
+            <a:r>
+              <a:rPr lang="zh-CN" altLang="en-US">
+                <a:latin typeface="微软雅黑" panose="020B0503020204020204" charset="-122"/>
+                <a:ea typeface="微软雅黑" panose="020B0503020204020204" charset="-122"/>
+              </a:rPr>
+              <a:t>频繁序列挖掘测试</a:t>
+            </a:r>
+            <a:r>
+              <a:rPr lang="en-US" altLang="zh-CN">
+                <a:latin typeface="微软雅黑" panose="020B0503020204020204" charset="-122"/>
+                <a:ea typeface="微软雅黑" panose="020B0503020204020204" charset="-122"/>
+              </a:rPr>
+              <a:t>(SPAM)</a:t>
+            </a:r>
+            <a:endParaRPr lang="zh-CN" altLang="en-US">
+              <a:latin typeface="微软雅黑" panose="020B0503020204020204" charset="-122"/>
+              <a:ea typeface="微软雅黑" panose="020B0503020204020204" charset="-122"/>
+            </a:endParaRPr>
+          </a:p>
+          <a:p>
+            <a:pPr lvl="1"/>
+            <a:r>
+              <a:rPr lang="zh-CN" altLang="en-US">
+                <a:latin typeface="微软雅黑" panose="020B0503020204020204" charset="-122"/>
+                <a:ea typeface="微软雅黑" panose="020B0503020204020204" charset="-122"/>
+              </a:rPr>
+              <a:t>不同告警序列之间时间间隔超过</a:t>
+            </a:r>
+            <a:r>
+              <a:rPr lang="en-US" altLang="zh-CN">
+                <a:latin typeface="微软雅黑" panose="020B0503020204020204" charset="-122"/>
+                <a:ea typeface="微软雅黑" panose="020B0503020204020204" charset="-122"/>
+              </a:rPr>
+              <a:t>1</a:t>
+            </a:r>
+            <a:r>
+              <a:rPr lang="zh-CN" altLang="en-US">
+                <a:latin typeface="微软雅黑" panose="020B0503020204020204" charset="-122"/>
+                <a:ea typeface="微软雅黑" panose="020B0503020204020204" charset="-122"/>
+              </a:rPr>
+              <a:t>分钟</a:t>
+            </a:r>
+            <a:endParaRPr lang="zh-CN" altLang="en-US">
+              <a:latin typeface="微软雅黑" panose="020B0503020204020204" charset="-122"/>
+              <a:ea typeface="微软雅黑" panose="020B0503020204020204" charset="-122"/>
+            </a:endParaRPr>
+          </a:p>
+          <a:p>
+            <a:pPr lvl="1" algn="l">
+              <a:buClrTx/>
+              <a:buSzTx/>
+            </a:pPr>
+            <a:r>
+              <a:rPr lang="zh-CN" altLang="en-US">
+                <a:latin typeface="微软雅黑" panose="020B0503020204020204" charset="-122"/>
+                <a:ea typeface="微软雅黑" panose="020B0503020204020204" charset="-122"/>
+              </a:rPr>
+              <a:t>测点</a:t>
+            </a:r>
+            <a:r>
+              <a:rPr lang="en-US" altLang="zh-CN">
+                <a:latin typeface="微软雅黑" panose="020B0503020204020204" charset="-122"/>
+                <a:ea typeface="微软雅黑" panose="020B0503020204020204" charset="-122"/>
+              </a:rPr>
+              <a:t>89</a:t>
+            </a:r>
+            <a:r>
+              <a:rPr lang="zh-CN" altLang="en-US">
+                <a:latin typeface="微软雅黑" panose="020B0503020204020204" charset="-122"/>
+                <a:ea typeface="微软雅黑" panose="020B0503020204020204" charset="-122"/>
+              </a:rPr>
+              <a:t>告警</a:t>
+            </a:r>
+            <a:r>
+              <a:rPr lang="zh-CN" altLang="en-US">
+                <a:latin typeface="微软雅黑" panose="020B0503020204020204" charset="-122"/>
+                <a:ea typeface="微软雅黑" panose="020B0503020204020204" charset="-122"/>
+              </a:rPr>
+              <a:t>之后，</a:t>
+            </a:r>
+            <a:r>
+              <a:rPr lang="en-US" altLang="zh-CN">
+                <a:latin typeface="微软雅黑" panose="020B0503020204020204" charset="-122"/>
+                <a:ea typeface="微软雅黑" panose="020B0503020204020204" charset="-122"/>
+              </a:rPr>
+              <a:t>1</a:t>
+            </a:r>
+            <a:r>
+              <a:rPr lang="zh-CN" altLang="en-US">
+                <a:latin typeface="微软雅黑" panose="020B0503020204020204" charset="-122"/>
+                <a:ea typeface="微软雅黑" panose="020B0503020204020204" charset="-122"/>
+              </a:rPr>
+              <a:t>分钟内测点</a:t>
+            </a:r>
+            <a:r>
+              <a:rPr lang="en-US" altLang="zh-CN">
+                <a:latin typeface="微软雅黑" panose="020B0503020204020204" charset="-122"/>
+                <a:ea typeface="微软雅黑" panose="020B0503020204020204" charset="-122"/>
+              </a:rPr>
+              <a:t>90</a:t>
+            </a:r>
+            <a:r>
+              <a:rPr lang="zh-CN" altLang="en-US">
+                <a:latin typeface="微软雅黑" panose="020B0503020204020204" charset="-122"/>
+                <a:ea typeface="微软雅黑" panose="020B0503020204020204" charset="-122"/>
+              </a:rPr>
+              <a:t>告警，这样的情况出现了</a:t>
+            </a:r>
+            <a:r>
+              <a:rPr lang="en-US" altLang="zh-CN">
+                <a:latin typeface="微软雅黑" panose="020B0503020204020204" charset="-122"/>
+                <a:ea typeface="微软雅黑" panose="020B0503020204020204" charset="-122"/>
+              </a:rPr>
+              <a:t>78</a:t>
+            </a:r>
+            <a:r>
+              <a:rPr lang="zh-CN" altLang="en-US">
+                <a:latin typeface="微软雅黑" panose="020B0503020204020204" charset="-122"/>
+                <a:ea typeface="微软雅黑" panose="020B0503020204020204" charset="-122"/>
+              </a:rPr>
+              <a:t>次</a:t>
+            </a:r>
+            <a:endParaRPr lang="zh-CN" altLang="en-US">
+              <a:latin typeface="微软雅黑" panose="020B0503020204020204" charset="-122"/>
+              <a:ea typeface="微软雅黑" panose="020B0503020204020204" charset="-122"/>
+            </a:endParaRPr>
+          </a:p>
+          <a:p>
+            <a:pPr lvl="1"/>
+            <a:endParaRPr lang="zh-CN" altLang="en-US">
+              <a:latin typeface="微软雅黑" panose="020B0503020204020204" charset="-122"/>
+              <a:ea typeface="微软雅黑" panose="020B0503020204020204" charset="-122"/>
+            </a:endParaRPr>
+          </a:p>
+        </p:txBody>
+      </p:sp>
+      <p:sp>
+        <p:nvSpPr>
+          <p:cNvPr id="3" name="标题 2"/>
+          <p:cNvSpPr>
+            <a:spLocks noGrp="1"/>
+          </p:cNvSpPr>
+          <p:nvPr>
+            <p:ph type="title"/>
+          </p:nvPr>
+        </p:nvSpPr>
+        <p:spPr/>
+        <p:txBody>
+          <a:bodyPr/>
+          <a:lstStyle/>
+          <a:p>
+            <a:r>
+              <a:rPr lang="zh-CN" altLang="en-US"/>
+              <a:t>工作总结</a:t>
+            </a:r>
+            <a:endParaRPr lang="zh-CN" altLang="en-US"/>
+          </a:p>
+        </p:txBody>
+      </p:sp>
+      <p:pic>
+        <p:nvPicPr>
+          <p:cNvPr id="7" name="图片 6"/>
+          <p:cNvPicPr>
+            <a:picLocks noChangeAspect="1"/>
+          </p:cNvPicPr>
+          <p:nvPr>
+            <p:custDataLst>
+              <p:tags r:id="rId1"/>
+            </p:custDataLst>
+          </p:nvPr>
+        </p:nvPicPr>
+        <p:blipFill>
+          <a:blip r:embed="rId2"/>
+          <a:stretch>
+            <a:fillRect/>
+          </a:stretch>
+        </p:blipFill>
+        <p:spPr>
+          <a:xfrm>
+            <a:off x="1454150" y="4150360"/>
+            <a:ext cx="9494520" cy="1478280"/>
+          </a:xfrm>
+          <a:prstGeom prst="rect">
+            <a:avLst/>
+          </a:prstGeom>
+        </p:spPr>
+      </p:pic>
+    </p:spTree>
+  </p:cSld>
+  <p:clrMapOvr>
+    <a:masterClrMapping/>
+  </p:clrMapOvr>
+</p:sld>
+</file>
+
+<file path=ppt/slides/slide25.xml><?xml version="1.0" encoding="utf-8"?>
+<p:sld xmlns:a="http://schemas.openxmlformats.org/drawingml/2006/main" xmlns:r="http://schemas.openxmlformats.org/officeDocument/2006/relationships" xmlns:p="http://schemas.openxmlformats.org/presentationml/2006/main">
+  <p:cSld>
+    <p:spTree>
+      <p:nvGrpSpPr>
+        <p:cNvPr id="1" name=""/>
+        <p:cNvGrpSpPr/>
+        <p:nvPr/>
+      </p:nvGrpSpPr>
+      <p:grpSpPr>
+        <a:xfrm>
+          <a:off x="0" y="0"/>
+          <a:ext cx="0" cy="0"/>
+          <a:chOff x="0" y="0"/>
+          <a:chExt cx="0" cy="0"/>
+        </a:xfrm>
+      </p:grpSpPr>
+      <p:sp>
+        <p:nvSpPr>
+          <p:cNvPr id="2" name="内容占位符 1"/>
+          <p:cNvSpPr>
+            <a:spLocks noGrp="1"/>
+          </p:cNvSpPr>
+          <p:nvPr>
+            <p:ph idx="1"/>
+          </p:nvPr>
+        </p:nvSpPr>
+        <p:spPr/>
+        <p:txBody>
+          <a:bodyPr>
+            <a:normAutofit lnSpcReduction="20000"/>
+          </a:bodyPr>
+          <a:lstStyle/>
+          <a:p>
+            <a:r>
+              <a:rPr lang="zh-CN" altLang="en-US">
+                <a:latin typeface="微软雅黑" panose="020B0503020204020204" charset="-122"/>
+                <a:ea typeface="微软雅黑" panose="020B0503020204020204" charset="-122"/>
+              </a:rPr>
+              <a:t>工作总结（</a:t>
+            </a:r>
+            <a:r>
+              <a:rPr lang="en-US" altLang="zh-CN">
+                <a:latin typeface="微软雅黑" panose="020B0503020204020204" charset="-122"/>
+                <a:ea typeface="微软雅黑" panose="020B0503020204020204" charset="-122"/>
+              </a:rPr>
+              <a:t>3.3</a:t>
+            </a:r>
+            <a:r>
+              <a:rPr lang="en-US" altLang="zh-CN">
+                <a:latin typeface="微软雅黑" panose="020B0503020204020204" charset="-122"/>
+                <a:ea typeface="微软雅黑" panose="020B0503020204020204" charset="-122"/>
+              </a:rPr>
+              <a:t>-</a:t>
+            </a:r>
+            <a:r>
+              <a:rPr lang="zh-CN" altLang="en-US">
+                <a:latin typeface="微软雅黑" panose="020B0503020204020204" charset="-122"/>
+                <a:ea typeface="微软雅黑" panose="020B0503020204020204" charset="-122"/>
+              </a:rPr>
+              <a:t>）</a:t>
+            </a:r>
+            <a:endParaRPr lang="zh-CN" altLang="en-US">
+              <a:latin typeface="微软雅黑" panose="020B0503020204020204" charset="-122"/>
+              <a:ea typeface="微软雅黑" panose="020B0503020204020204" charset="-122"/>
+            </a:endParaRPr>
+          </a:p>
+          <a:p>
+            <a:pPr lvl="1"/>
+            <a:r>
+              <a:rPr lang="zh-CN" altLang="en-US">
+                <a:latin typeface="微软雅黑" panose="020B0503020204020204" charset="-122"/>
+                <a:ea typeface="微软雅黑" panose="020B0503020204020204" charset="-122"/>
+              </a:rPr>
+              <a:t>序列规则挖掘测试</a:t>
+            </a:r>
+            <a:endParaRPr lang="zh-CN" altLang="en-US">
+              <a:latin typeface="微软雅黑" panose="020B0503020204020204" charset="-122"/>
+              <a:ea typeface="微软雅黑" panose="020B0503020204020204" charset="-122"/>
+            </a:endParaRPr>
+          </a:p>
+          <a:p>
+            <a:pPr lvl="1"/>
+            <a:r>
+              <a:rPr lang="zh-CN" altLang="en-US">
+                <a:latin typeface="微软雅黑" panose="020B0503020204020204" charset="-122"/>
+                <a:ea typeface="微软雅黑" panose="020B0503020204020204" charset="-122"/>
+              </a:rPr>
+              <a:t>测点</a:t>
+            </a:r>
+            <a:r>
+              <a:rPr lang="en-US" altLang="zh-CN">
+                <a:latin typeface="微软雅黑" panose="020B0503020204020204" charset="-122"/>
+                <a:ea typeface="微软雅黑" panose="020B0503020204020204" charset="-122"/>
+              </a:rPr>
+              <a:t>90</a:t>
+            </a:r>
+            <a:r>
+              <a:rPr lang="zh-CN" altLang="en-US">
+                <a:latin typeface="微软雅黑" panose="020B0503020204020204" charset="-122"/>
+                <a:ea typeface="微软雅黑" panose="020B0503020204020204" charset="-122"/>
+              </a:rPr>
+              <a:t>，</a:t>
+            </a:r>
+            <a:r>
+              <a:rPr lang="en-US" altLang="zh-CN">
+                <a:latin typeface="微软雅黑" panose="020B0503020204020204" charset="-122"/>
+                <a:ea typeface="微软雅黑" panose="020B0503020204020204" charset="-122"/>
+              </a:rPr>
+              <a:t>93</a:t>
+            </a:r>
+            <a:r>
+              <a:rPr lang="zh-CN" altLang="en-US">
+                <a:latin typeface="微软雅黑" panose="020B0503020204020204" charset="-122"/>
+                <a:ea typeface="微软雅黑" panose="020B0503020204020204" charset="-122"/>
+              </a:rPr>
+              <a:t>先后发生告警的情况下，</a:t>
+            </a:r>
+            <a:r>
+              <a:rPr lang="en-US" altLang="zh-CN">
+                <a:latin typeface="微软雅黑" panose="020B0503020204020204" charset="-122"/>
+                <a:ea typeface="微软雅黑" panose="020B0503020204020204" charset="-122"/>
+              </a:rPr>
+              <a:t>89</a:t>
+            </a:r>
+            <a:r>
+              <a:rPr lang="zh-CN" altLang="en-US">
+                <a:latin typeface="微软雅黑" panose="020B0503020204020204" charset="-122"/>
+                <a:ea typeface="微软雅黑" panose="020B0503020204020204" charset="-122"/>
+              </a:rPr>
+              <a:t>告警的概率是</a:t>
+            </a:r>
+            <a:r>
+              <a:rPr lang="en-US" altLang="zh-CN">
+                <a:latin typeface="微软雅黑" panose="020B0503020204020204" charset="-122"/>
+                <a:ea typeface="微软雅黑" panose="020B0503020204020204" charset="-122"/>
+              </a:rPr>
+              <a:t>0.625</a:t>
+            </a:r>
+            <a:r>
+              <a:rPr lang="zh-CN" altLang="en-US">
+                <a:latin typeface="微软雅黑" panose="020B0503020204020204" charset="-122"/>
+                <a:ea typeface="微软雅黑" panose="020B0503020204020204" charset="-122"/>
+              </a:rPr>
+              <a:t>，这样的情况一共发生了</a:t>
+            </a:r>
+            <a:r>
+              <a:rPr lang="en-US" altLang="zh-CN">
+                <a:latin typeface="微软雅黑" panose="020B0503020204020204" charset="-122"/>
+                <a:ea typeface="微软雅黑" panose="020B0503020204020204" charset="-122"/>
+              </a:rPr>
+              <a:t>10</a:t>
+            </a:r>
+            <a:r>
+              <a:rPr lang="zh-CN" altLang="en-US">
+                <a:latin typeface="微软雅黑" panose="020B0503020204020204" charset="-122"/>
+                <a:ea typeface="微软雅黑" panose="020B0503020204020204" charset="-122"/>
+              </a:rPr>
+              <a:t>次。其中的时间间隔不能超过</a:t>
+            </a:r>
+            <a:r>
+              <a:rPr lang="en-US" altLang="zh-CN">
+                <a:latin typeface="微软雅黑" panose="020B0503020204020204" charset="-122"/>
+                <a:ea typeface="微软雅黑" panose="020B0503020204020204" charset="-122"/>
+              </a:rPr>
+              <a:t>5</a:t>
+            </a:r>
+            <a:r>
+              <a:rPr lang="zh-CN" altLang="en-US">
+                <a:latin typeface="微软雅黑" panose="020B0503020204020204" charset="-122"/>
+                <a:ea typeface="微软雅黑" panose="020B0503020204020204" charset="-122"/>
+              </a:rPr>
+              <a:t>分钟</a:t>
+            </a:r>
+            <a:endParaRPr lang="zh-CN" altLang="en-US">
+              <a:latin typeface="微软雅黑" panose="020B0503020204020204" charset="-122"/>
+              <a:ea typeface="微软雅黑" panose="020B0503020204020204" charset="-122"/>
+            </a:endParaRPr>
+          </a:p>
+          <a:p>
+            <a:pPr lvl="1"/>
+            <a:endParaRPr lang="zh-CN" altLang="en-US">
+              <a:latin typeface="微软雅黑" panose="020B0503020204020204" charset="-122"/>
+              <a:ea typeface="微软雅黑" panose="020B0503020204020204" charset="-122"/>
+            </a:endParaRPr>
+          </a:p>
+          <a:p>
+            <a:pPr lvl="1"/>
+            <a:endParaRPr lang="zh-CN" altLang="en-US">
+              <a:latin typeface="微软雅黑" panose="020B0503020204020204" charset="-122"/>
+              <a:ea typeface="微软雅黑" panose="020B0503020204020204" charset="-122"/>
+            </a:endParaRPr>
+          </a:p>
+        </p:txBody>
+      </p:sp>
+      <p:sp>
+        <p:nvSpPr>
+          <p:cNvPr id="3" name="标题 2"/>
+          <p:cNvSpPr>
+            <a:spLocks noGrp="1"/>
+          </p:cNvSpPr>
+          <p:nvPr>
+            <p:ph type="title"/>
+          </p:nvPr>
+        </p:nvSpPr>
+        <p:spPr/>
+        <p:txBody>
+          <a:bodyPr/>
+          <a:lstStyle/>
+          <a:p>
+            <a:r>
+              <a:rPr lang="zh-CN" altLang="en-US"/>
+              <a:t>工作总结</a:t>
+            </a:r>
+            <a:endParaRPr lang="zh-CN" altLang="en-US"/>
+          </a:p>
+        </p:txBody>
+      </p:sp>
+      <p:pic>
+        <p:nvPicPr>
+          <p:cNvPr id="4" name="图片 3"/>
+          <p:cNvPicPr>
+            <a:picLocks noChangeAspect="1"/>
+          </p:cNvPicPr>
+          <p:nvPr>
+            <p:custDataLst>
+              <p:tags r:id="rId1"/>
+            </p:custDataLst>
+          </p:nvPr>
+        </p:nvPicPr>
+        <p:blipFill>
+          <a:blip r:embed="rId2"/>
+          <a:stretch>
+            <a:fillRect/>
+          </a:stretch>
+        </p:blipFill>
+        <p:spPr>
+          <a:xfrm>
+            <a:off x="1153795" y="3843655"/>
+            <a:ext cx="9486900" cy="1516380"/>
+          </a:xfrm>
+          <a:prstGeom prst="rect">
+            <a:avLst/>
+          </a:prstGeom>
+        </p:spPr>
+      </p:pic>
+    </p:spTree>
+  </p:cSld>
+  <p:clrMapOvr>
+    <a:masterClrMapping/>
+  </p:clrMapOvr>
+</p:sld>
+</file>
+
+<file path=ppt/slides/slide26.xml><?xml version="1.0" encoding="utf-8"?>
 <p:sld xmlns:a="http://schemas.openxmlformats.org/drawingml/2006/main" xmlns:r="http://schemas.openxmlformats.org/officeDocument/2006/relationships" xmlns:p="http://schemas.openxmlformats.org/presentationml/2006/main">
   <p:cSld>
     <p:spTree>
@@ -9363,14 +10145,57 @@
 
 <file path=ppt/tags/tag19.xml><?xml version="1.0" encoding="utf-8"?>
 <p:tagLst xmlns:p="http://schemas.openxmlformats.org/presentationml/2006/main">
-  <p:tag name="KSO_WPP_MARK_KEY" val="91115d27-b476-4141-a895-b7353833ceed"/>
-  <p:tag name="COMMONDATA" val="eyJoZGlkIjoiNGZjNmRiMDYwZjI0NDg5ZjZjZTAwMDFlMzI1ZTY3MDEifQ=="/>
+  <p:tag name="KSO_WM_BEAUTIFY_FLAG" val=""/>
 </p:tagLst>
 </file>
 
 <file path=ppt/tags/tag2.xml><?xml version="1.0" encoding="utf-8"?>
 <p:tagLst xmlns:p="http://schemas.openxmlformats.org/presentationml/2006/main">
   <p:tag name="KSO_WM_BEAUTIFY_FLAG" val=""/>
+</p:tagLst>
+</file>
+
+<file path=ppt/tags/tag20.xml><?xml version="1.0" encoding="utf-8"?>
+<p:tagLst xmlns:p="http://schemas.openxmlformats.org/presentationml/2006/main">
+  <p:tag name="KSO_WM_BEAUTIFY_FLAG" val=""/>
+  <p:tag name="KSO_WM_UNIT_PLACING_PICTURE_USER_VIEWPORT" val="{&quot;height&quot;:4368,&quot;width&quot;:18096}"/>
+</p:tagLst>
+</file>
+
+<file path=ppt/tags/tag21.xml><?xml version="1.0" encoding="utf-8"?>
+<p:tagLst xmlns:p="http://schemas.openxmlformats.org/presentationml/2006/main">
+  <p:tag name="KSO_WM_BEAUTIFY_FLAG" val=""/>
+</p:tagLst>
+</file>
+
+<file path=ppt/tags/tag22.xml><?xml version="1.0" encoding="utf-8"?>
+<p:tagLst xmlns:p="http://schemas.openxmlformats.org/presentationml/2006/main">
+  <p:tag name="KSO_WM_BEAUTIFY_FLAG" val=""/>
+</p:tagLst>
+</file>
+
+<file path=ppt/tags/tag23.xml><?xml version="1.0" encoding="utf-8"?>
+<p:tagLst xmlns:p="http://schemas.openxmlformats.org/presentationml/2006/main">
+  <p:tag name="KSO_WM_BEAUTIFY_FLAG" val=""/>
+</p:tagLst>
+</file>
+
+<file path=ppt/tags/tag24.xml><?xml version="1.0" encoding="utf-8"?>
+<p:tagLst xmlns:p="http://schemas.openxmlformats.org/presentationml/2006/main">
+  <p:tag name="KSO_WM_BEAUTIFY_FLAG" val=""/>
+</p:tagLst>
+</file>
+
+<file path=ppt/tags/tag25.xml><?xml version="1.0" encoding="utf-8"?>
+<p:tagLst xmlns:p="http://schemas.openxmlformats.org/presentationml/2006/main">
+  <p:tag name="KSO_WM_BEAUTIFY_FLAG" val=""/>
+</p:tagLst>
+</file>
+
+<file path=ppt/tags/tag26.xml><?xml version="1.0" encoding="utf-8"?>
+<p:tagLst xmlns:p="http://schemas.openxmlformats.org/presentationml/2006/main">
+  <p:tag name="KSO_WPP_MARK_KEY" val="91115d27-b476-4141-a895-b7353833ceed"/>
+  <p:tag name="COMMONDATA" val="eyJoZGlkIjoiNGZjNmRiMDYwZjI0NDg5ZjZjZTAwMDFlMzI1ZTY3MDEifQ=="/>
 </p:tagLst>
 </file>
 

--- a/承载网故障检测项目工作汇报.pptx
+++ b/承载网故障检测项目工作汇报.pptx
@@ -5,7 +5,7 @@
     <p:sldMasterId id="2147483648" r:id="rId1"/>
   </p:sldMasterIdLst>
   <p:notesMasterIdLst>
-    <p:notesMasterId r:id="rId29"/>
+    <p:notesMasterId r:id="rId32"/>
   </p:notesMasterIdLst>
   <p:sldIdLst>
     <p:sldId id="256" r:id="rId3"/>
@@ -33,12 +33,15 @@
     <p:sldId id="380" r:id="rId25"/>
     <p:sldId id="382" r:id="rId26"/>
     <p:sldId id="385" r:id="rId27"/>
-    <p:sldId id="265" r:id="rId28"/>
+    <p:sldId id="391" r:id="rId28"/>
+    <p:sldId id="393" r:id="rId29"/>
+    <p:sldId id="395" r:id="rId30"/>
+    <p:sldId id="265" r:id="rId31"/>
   </p:sldIdLst>
   <p:sldSz cx="12192000" cy="6858000"/>
   <p:notesSz cx="7103745" cy="10234295"/>
   <p:custDataLst>
-    <p:tags r:id="rId33"/>
+    <p:tags r:id="rId36"/>
   </p:custDataLst>
   <p:defaultTextStyle>
     <a:defPPr>
@@ -6588,6 +6591,11 @@
           </a:bodyPr>
           <a:lstStyle/>
           <a:p>
+            <a:pPr fontAlgn="auto">
+              <a:lnSpc>
+                <a:spcPct val="120000"/>
+              </a:lnSpc>
+            </a:pPr>
             <a:r>
               <a:rPr lang="zh-CN" altLang="en-US">
                 <a:latin typeface="微软雅黑" panose="020B0503020204020204" charset="-122"/>
@@ -6607,7 +6615,7 @@
                 <a:latin typeface="微软雅黑" panose="020B0503020204020204" charset="-122"/>
                 <a:ea typeface="微软雅黑" panose="020B0503020204020204" charset="-122"/>
               </a:rPr>
-              <a:t>-</a:t>
+              <a:t>-3.7</a:t>
             </a:r>
             <a:r>
               <a:rPr lang="zh-CN" altLang="en-US">
@@ -6622,20 +6630,17 @@
             </a:endParaRPr>
           </a:p>
           <a:p>
-            <a:pPr lvl="1"/>
-            <a:r>
-              <a:rPr lang="zh-CN" altLang="en-US">
-                <a:latin typeface="微软雅黑" panose="020B0503020204020204" charset="-122"/>
-                <a:ea typeface="微软雅黑" panose="020B0503020204020204" charset="-122"/>
-              </a:rPr>
-              <a:t>找了个数据挖掘库，换方法来</a:t>
-            </a:r>
-            <a:r>
-              <a:rPr lang="zh-CN" altLang="en-US">
-                <a:latin typeface="微软雅黑" panose="020B0503020204020204" charset="-122"/>
-                <a:ea typeface="微软雅黑" panose="020B0503020204020204" charset="-122"/>
-              </a:rPr>
-              <a:t>绕开专利</a:t>
+            <a:pPr lvl="1" fontAlgn="auto">
+              <a:lnSpc>
+                <a:spcPct val="120000"/>
+              </a:lnSpc>
+            </a:pPr>
+            <a:r>
+              <a:rPr lang="zh-CN" altLang="en-US">
+                <a:latin typeface="微软雅黑" panose="020B0503020204020204" charset="-122"/>
+                <a:ea typeface="微软雅黑" panose="020B0503020204020204" charset="-122"/>
+              </a:rPr>
+              <a:t>用了个数据挖掘库，换方法来绕开专利</a:t>
             </a:r>
             <a:endParaRPr lang="zh-CN" altLang="en-US">
               <a:latin typeface="微软雅黑" panose="020B0503020204020204" charset="-122"/>
@@ -6708,7 +6713,7 @@
         </p:blipFill>
         <p:spPr>
           <a:xfrm>
-            <a:off x="1177290" y="2636520"/>
+            <a:off x="1233805" y="2734945"/>
             <a:ext cx="4191635" cy="3935730"/>
           </a:xfrm>
           <a:prstGeom prst="rect">
@@ -6736,8 +6741,8 @@
         </p:blipFill>
         <p:spPr>
           <a:xfrm>
-            <a:off x="6142355" y="2525395"/>
-            <a:ext cx="4202430" cy="1967865"/>
+            <a:off x="5615305" y="2735580"/>
+            <a:ext cx="4276725" cy="2002790"/>
           </a:xfrm>
           <a:prstGeom prst="rect">
             <a:avLst/>
@@ -6764,8 +6769,8 @@
         </p:blipFill>
         <p:spPr>
           <a:xfrm>
-            <a:off x="5692775" y="4555490"/>
-            <a:ext cx="5822950" cy="2016760"/>
+            <a:off x="5615305" y="4836160"/>
+            <a:ext cx="5296535" cy="1834515"/>
           </a:xfrm>
           <a:prstGeom prst="rect">
             <a:avLst/>
@@ -6814,6 +6819,11 @@
           </a:bodyPr>
           <a:lstStyle/>
           <a:p>
+            <a:pPr fontAlgn="auto">
+              <a:lnSpc>
+                <a:spcPct val="120000"/>
+              </a:lnSpc>
+            </a:pPr>
             <a:r>
               <a:rPr lang="zh-CN" altLang="en-US">
                 <a:latin typeface="微软雅黑" panose="020B0503020204020204" charset="-122"/>
@@ -6826,14 +6836,15 @@
                 <a:latin typeface="微软雅黑" panose="020B0503020204020204" charset="-122"/>
                 <a:ea typeface="微软雅黑" panose="020B0503020204020204" charset="-122"/>
               </a:rPr>
-              <a:t>3.3</a:t>
+              <a:t>3.3-</a:t>
             </a:r>
             <a:r>
               <a:rPr lang="en-US" altLang="zh-CN">
                 <a:latin typeface="微软雅黑" panose="020B0503020204020204" charset="-122"/>
                 <a:ea typeface="微软雅黑" panose="020B0503020204020204" charset="-122"/>
-              </a:rPr>
-              <a:t>-</a:t>
+                <a:sym typeface="+mn-ea"/>
+              </a:rPr>
+              <a:t>3.7</a:t>
             </a:r>
             <a:r>
               <a:rPr lang="zh-CN" altLang="en-US">
@@ -6848,27 +6859,31 @@
             </a:endParaRPr>
           </a:p>
           <a:p>
-            <a:pPr lvl="1"/>
-            <a:r>
-              <a:rPr lang="zh-CN" altLang="en-US">
-                <a:latin typeface="微软雅黑" panose="020B0503020204020204" charset="-122"/>
-                <a:ea typeface="微软雅黑" panose="020B0503020204020204" charset="-122"/>
-              </a:rPr>
-              <a:t>频繁</a:t>
-            </a:r>
-            <a:r>
-              <a:rPr lang="zh-CN" altLang="en-US">
-                <a:latin typeface="微软雅黑" panose="020B0503020204020204" charset="-122"/>
-                <a:ea typeface="微软雅黑" panose="020B0503020204020204" charset="-122"/>
-              </a:rPr>
-              <a:t>项挖掘测试</a:t>
+            <a:pPr lvl="1" fontAlgn="auto">
+              <a:lnSpc>
+                <a:spcPct val="120000"/>
+              </a:lnSpc>
+            </a:pPr>
+            <a:r>
+              <a:rPr lang="zh-CN" altLang="en-US">
+                <a:latin typeface="微软雅黑" panose="020B0503020204020204" charset="-122"/>
+                <a:ea typeface="微软雅黑" panose="020B0503020204020204" charset="-122"/>
+              </a:rPr>
+              <a:t>频繁项挖掘测试</a:t>
             </a:r>
             <a:r>
               <a:rPr lang="en-US" altLang="zh-CN">
                 <a:latin typeface="微软雅黑" panose="020B0503020204020204" charset="-122"/>
                 <a:ea typeface="微软雅黑" panose="020B0503020204020204" charset="-122"/>
               </a:rPr>
-              <a:t>(Apriori)</a:t>
+              <a:t>(F</a:t>
+            </a:r>
+            <a:r>
+              <a:rPr lang="en-US" altLang="zh-CN">
+                <a:latin typeface="微软雅黑" panose="020B0503020204020204" charset="-122"/>
+                <a:ea typeface="微软雅黑" panose="020B0503020204020204" charset="-122"/>
+              </a:rPr>
+              <a:t>pGrowth)</a:t>
             </a:r>
             <a:endParaRPr lang="zh-CN" altLang="en-US">
               <a:latin typeface="微软雅黑" panose="020B0503020204020204" charset="-122"/>
@@ -6941,7 +6956,7 @@
         </p:blipFill>
         <p:spPr>
           <a:xfrm>
-            <a:off x="448310" y="2614295"/>
+            <a:off x="448310" y="2986405"/>
             <a:ext cx="11490960" cy="2773680"/>
           </a:xfrm>
           <a:prstGeom prst="rect">
@@ -6991,6 +7006,11 @@
           </a:bodyPr>
           <a:lstStyle/>
           <a:p>
+            <a:pPr fontAlgn="auto">
+              <a:lnSpc>
+                <a:spcPct val="120000"/>
+              </a:lnSpc>
+            </a:pPr>
             <a:r>
               <a:rPr lang="zh-CN" altLang="en-US">
                 <a:latin typeface="微软雅黑" panose="020B0503020204020204" charset="-122"/>
@@ -7003,14 +7023,15 @@
                 <a:latin typeface="微软雅黑" panose="020B0503020204020204" charset="-122"/>
                 <a:ea typeface="微软雅黑" panose="020B0503020204020204" charset="-122"/>
               </a:rPr>
-              <a:t>3.3</a:t>
+              <a:t>3.3-</a:t>
             </a:r>
             <a:r>
               <a:rPr lang="en-US" altLang="zh-CN">
                 <a:latin typeface="微软雅黑" panose="020B0503020204020204" charset="-122"/>
                 <a:ea typeface="微软雅黑" panose="020B0503020204020204" charset="-122"/>
-              </a:rPr>
-              <a:t>-</a:t>
+                <a:sym typeface="+mn-ea"/>
+              </a:rPr>
+              <a:t>3.7</a:t>
             </a:r>
             <a:r>
               <a:rPr lang="zh-CN" altLang="en-US">
@@ -7025,7 +7046,11 @@
             </a:endParaRPr>
           </a:p>
           <a:p>
-            <a:pPr lvl="1"/>
+            <a:pPr lvl="1" fontAlgn="auto">
+              <a:lnSpc>
+                <a:spcPct val="120000"/>
+              </a:lnSpc>
+            </a:pPr>
             <a:r>
               <a:rPr lang="zh-CN" altLang="en-US">
                 <a:latin typeface="微软雅黑" panose="020B0503020204020204" charset="-122"/>
@@ -7111,8 +7136,8 @@
         </p:blipFill>
         <p:spPr>
           <a:xfrm>
-            <a:off x="1366520" y="2548255"/>
-            <a:ext cx="4985385" cy="4201795"/>
+            <a:off x="1366520" y="2763520"/>
+            <a:ext cx="4730115" cy="3986530"/>
           </a:xfrm>
           <a:prstGeom prst="rect">
             <a:avLst/>
@@ -7139,8 +7164,8 @@
         </p:blipFill>
         <p:spPr>
           <a:xfrm>
-            <a:off x="6351905" y="2548255"/>
-            <a:ext cx="5391785" cy="4222115"/>
+            <a:off x="6096635" y="2773045"/>
+            <a:ext cx="5104765" cy="3997325"/>
           </a:xfrm>
           <a:prstGeom prst="rect">
             <a:avLst/>
@@ -7189,6 +7214,11 @@
           </a:bodyPr>
           <a:lstStyle/>
           <a:p>
+            <a:pPr fontAlgn="auto">
+              <a:lnSpc>
+                <a:spcPct val="120000"/>
+              </a:lnSpc>
+            </a:pPr>
             <a:r>
               <a:rPr lang="zh-CN" altLang="en-US">
                 <a:latin typeface="微软雅黑" panose="020B0503020204020204" charset="-122"/>
@@ -7201,14 +7231,15 @@
                 <a:latin typeface="微软雅黑" panose="020B0503020204020204" charset="-122"/>
                 <a:ea typeface="微软雅黑" panose="020B0503020204020204" charset="-122"/>
               </a:rPr>
-              <a:t>3.3</a:t>
+              <a:t>3.3-</a:t>
             </a:r>
             <a:r>
               <a:rPr lang="en-US" altLang="zh-CN">
                 <a:latin typeface="微软雅黑" panose="020B0503020204020204" charset="-122"/>
                 <a:ea typeface="微软雅黑" panose="020B0503020204020204" charset="-122"/>
-              </a:rPr>
-              <a:t>-</a:t>
+                <a:sym typeface="+mn-ea"/>
+              </a:rPr>
+              <a:t>3.7</a:t>
             </a:r>
             <a:r>
               <a:rPr lang="zh-CN" altLang="en-US">
@@ -7223,7 +7254,11 @@
             </a:endParaRPr>
           </a:p>
           <a:p>
-            <a:pPr lvl="1"/>
+            <a:pPr lvl="1" fontAlgn="auto">
+              <a:lnSpc>
+                <a:spcPct val="120000"/>
+              </a:lnSpc>
+            </a:pPr>
             <a:r>
               <a:rPr lang="zh-CN" altLang="en-US">
                 <a:latin typeface="微软雅黑" panose="020B0503020204020204" charset="-122"/>
@@ -7237,7 +7272,11 @@
             </a:endParaRPr>
           </a:p>
           <a:p>
-            <a:pPr lvl="1"/>
+            <a:pPr lvl="1" fontAlgn="auto">
+              <a:lnSpc>
+                <a:spcPct val="120000"/>
+              </a:lnSpc>
+            </a:pPr>
             <a:r>
               <a:rPr lang="zh-CN" altLang="en-US">
                 <a:latin typeface="微软雅黑" panose="020B0503020204020204" charset="-122"/>
@@ -7430,6 +7469,11 @@
           </a:bodyPr>
           <a:lstStyle/>
           <a:p>
+            <a:pPr fontAlgn="auto">
+              <a:lnSpc>
+                <a:spcPct val="120000"/>
+              </a:lnSpc>
+            </a:pPr>
             <a:r>
               <a:rPr lang="zh-CN" altLang="en-US">
                 <a:latin typeface="微软雅黑" panose="020B0503020204020204" charset="-122"/>
@@ -7442,14 +7486,15 @@
                 <a:latin typeface="微软雅黑" panose="020B0503020204020204" charset="-122"/>
                 <a:ea typeface="微软雅黑" panose="020B0503020204020204" charset="-122"/>
               </a:rPr>
-              <a:t>3.3</a:t>
+              <a:t>3.3-</a:t>
             </a:r>
             <a:r>
               <a:rPr lang="en-US" altLang="zh-CN">
                 <a:latin typeface="微软雅黑" panose="020B0503020204020204" charset="-122"/>
                 <a:ea typeface="微软雅黑" panose="020B0503020204020204" charset="-122"/>
-              </a:rPr>
-              <a:t>-</a:t>
+                <a:sym typeface="+mn-ea"/>
+              </a:rPr>
+              <a:t>3.7</a:t>
             </a:r>
             <a:r>
               <a:rPr lang="zh-CN" altLang="en-US">
@@ -7464,7 +7509,11 @@
             </a:endParaRPr>
           </a:p>
           <a:p>
-            <a:pPr lvl="1"/>
+            <a:pPr lvl="1" fontAlgn="auto">
+              <a:lnSpc>
+                <a:spcPct val="120000"/>
+              </a:lnSpc>
+            </a:pPr>
             <a:r>
               <a:rPr lang="zh-CN" altLang="en-US">
                 <a:latin typeface="微软雅黑" panose="020B0503020204020204" charset="-122"/>
@@ -7485,7 +7534,11 @@
             </a:endParaRPr>
           </a:p>
           <a:p>
-            <a:pPr lvl="1"/>
+            <a:pPr lvl="1" fontAlgn="auto">
+              <a:lnSpc>
+                <a:spcPct val="120000"/>
+              </a:lnSpc>
+            </a:pPr>
             <a:r>
               <a:rPr lang="zh-CN" altLang="en-US">
                 <a:latin typeface="微软雅黑" panose="020B0503020204020204" charset="-122"/>
@@ -7513,7 +7566,10 @@
             </a:endParaRPr>
           </a:p>
           <a:p>
-            <a:pPr lvl="1" algn="l">
+            <a:pPr lvl="1" algn="l" fontAlgn="auto">
+              <a:lnSpc>
+                <a:spcPct val="120000"/>
+              </a:lnSpc>
               <a:buClrTx/>
               <a:buSzTx/>
             </a:pPr>
@@ -7694,6 +7750,11 @@
           </a:bodyPr>
           <a:lstStyle/>
           <a:p>
+            <a:pPr fontAlgn="auto">
+              <a:lnSpc>
+                <a:spcPct val="120000"/>
+              </a:lnSpc>
+            </a:pPr>
             <a:r>
               <a:rPr lang="zh-CN" altLang="en-US">
                 <a:latin typeface="微软雅黑" panose="020B0503020204020204" charset="-122"/>
@@ -7713,7 +7774,7 @@
                 <a:latin typeface="微软雅黑" panose="020B0503020204020204" charset="-122"/>
                 <a:ea typeface="微软雅黑" panose="020B0503020204020204" charset="-122"/>
               </a:rPr>
-              <a:t>-</a:t>
+              <a:t>-3.7</a:t>
             </a:r>
             <a:r>
               <a:rPr lang="zh-CN" altLang="en-US">
@@ -7728,7 +7789,11 @@
             </a:endParaRPr>
           </a:p>
           <a:p>
-            <a:pPr lvl="1"/>
+            <a:pPr lvl="1" fontAlgn="auto">
+              <a:lnSpc>
+                <a:spcPct val="120000"/>
+              </a:lnSpc>
+            </a:pPr>
             <a:r>
               <a:rPr lang="zh-CN" altLang="en-US">
                 <a:latin typeface="微软雅黑" panose="020B0503020204020204" charset="-122"/>
@@ -7742,97 +7807,24 @@
             </a:endParaRPr>
           </a:p>
           <a:p>
-            <a:pPr lvl="1"/>
-            <a:r>
-              <a:rPr lang="zh-CN" altLang="en-US">
-                <a:latin typeface="微软雅黑" panose="020B0503020204020204" charset="-122"/>
-                <a:ea typeface="微软雅黑" panose="020B0503020204020204" charset="-122"/>
-              </a:rPr>
-              <a:t>测点</a:t>
-            </a:r>
-            <a:r>
-              <a:rPr lang="en-US" altLang="zh-CN">
-                <a:latin typeface="微软雅黑" panose="020B0503020204020204" charset="-122"/>
-                <a:ea typeface="微软雅黑" panose="020B0503020204020204" charset="-122"/>
-              </a:rPr>
-              <a:t>90</a:t>
-            </a:r>
-            <a:r>
-              <a:rPr lang="zh-CN" altLang="en-US">
-                <a:latin typeface="微软雅黑" panose="020B0503020204020204" charset="-122"/>
-                <a:ea typeface="微软雅黑" panose="020B0503020204020204" charset="-122"/>
-              </a:rPr>
-              <a:t>，</a:t>
-            </a:r>
-            <a:r>
-              <a:rPr lang="en-US" altLang="zh-CN">
-                <a:latin typeface="微软雅黑" panose="020B0503020204020204" charset="-122"/>
-                <a:ea typeface="微软雅黑" panose="020B0503020204020204" charset="-122"/>
-              </a:rPr>
-              <a:t>93</a:t>
-            </a:r>
-            <a:r>
-              <a:rPr lang="zh-CN" altLang="en-US">
-                <a:latin typeface="微软雅黑" panose="020B0503020204020204" charset="-122"/>
-                <a:ea typeface="微软雅黑" panose="020B0503020204020204" charset="-122"/>
-              </a:rPr>
-              <a:t>先后发生告警的情况下，</a:t>
-            </a:r>
-            <a:r>
-              <a:rPr lang="en-US" altLang="zh-CN">
-                <a:latin typeface="微软雅黑" panose="020B0503020204020204" charset="-122"/>
-                <a:ea typeface="微软雅黑" panose="020B0503020204020204" charset="-122"/>
-              </a:rPr>
-              <a:t>89</a:t>
-            </a:r>
-            <a:r>
-              <a:rPr lang="zh-CN" altLang="en-US">
-                <a:latin typeface="微软雅黑" panose="020B0503020204020204" charset="-122"/>
-                <a:ea typeface="微软雅黑" panose="020B0503020204020204" charset="-122"/>
-              </a:rPr>
-              <a:t>告警的概率是</a:t>
-            </a:r>
-            <a:r>
-              <a:rPr lang="en-US" altLang="zh-CN">
-                <a:latin typeface="微软雅黑" panose="020B0503020204020204" charset="-122"/>
-                <a:ea typeface="微软雅黑" panose="020B0503020204020204" charset="-122"/>
-              </a:rPr>
-              <a:t>0.625</a:t>
-            </a:r>
-            <a:r>
-              <a:rPr lang="zh-CN" altLang="en-US">
-                <a:latin typeface="微软雅黑" panose="020B0503020204020204" charset="-122"/>
-                <a:ea typeface="微软雅黑" panose="020B0503020204020204" charset="-122"/>
-              </a:rPr>
-              <a:t>，这样的情况一共发生了</a:t>
-            </a:r>
-            <a:r>
-              <a:rPr lang="en-US" altLang="zh-CN">
-                <a:latin typeface="微软雅黑" panose="020B0503020204020204" charset="-122"/>
-                <a:ea typeface="微软雅黑" panose="020B0503020204020204" charset="-122"/>
-              </a:rPr>
-              <a:t>10</a:t>
-            </a:r>
-            <a:r>
-              <a:rPr lang="zh-CN" altLang="en-US">
-                <a:latin typeface="微软雅黑" panose="020B0503020204020204" charset="-122"/>
-                <a:ea typeface="微软雅黑" panose="020B0503020204020204" charset="-122"/>
-              </a:rPr>
-              <a:t>次。其中的时间间隔不能超过</a:t>
-            </a:r>
-            <a:r>
-              <a:rPr lang="en-US" altLang="zh-CN">
-                <a:latin typeface="微软雅黑" panose="020B0503020204020204" charset="-122"/>
-                <a:ea typeface="微软雅黑" panose="020B0503020204020204" charset="-122"/>
-              </a:rPr>
-              <a:t>5</a:t>
-            </a:r>
-            <a:r>
-              <a:rPr lang="zh-CN" altLang="en-US">
-                <a:latin typeface="微软雅黑" panose="020B0503020204020204" charset="-122"/>
-                <a:ea typeface="微软雅黑" panose="020B0503020204020204" charset="-122"/>
-              </a:rPr>
-              <a:t>分钟</a:t>
+            <a:pPr lvl="1" fontAlgn="auto">
+              <a:lnSpc>
+                <a:spcPct val="120000"/>
+              </a:lnSpc>
+            </a:pPr>
+            <a:r>
+              <a:rPr lang="zh-CN" altLang="en-US">
+                <a:latin typeface="微软雅黑" panose="020B0503020204020204" charset="-122"/>
+                <a:ea typeface="微软雅黑" panose="020B0503020204020204" charset="-122"/>
+              </a:rPr>
+              <a:t>测点90，93先后发生告警的情况下，89告警的概率是0.625，这样的情况一共发生了10次。其中的时间间隔不能超过</a:t>
+            </a:r>
+            <a:r>
+              <a:rPr lang="zh-CN" altLang="en-US">
+                <a:latin typeface="微软雅黑" panose="020B0503020204020204" charset="-122"/>
+                <a:ea typeface="微软雅黑" panose="020B0503020204020204" charset="-122"/>
+              </a:rPr>
+              <a:t>5分钟</a:t>
             </a:r>
             <a:endParaRPr lang="zh-CN" altLang="en-US">
               <a:latin typeface="微软雅黑" panose="020B0503020204020204" charset="-122"/>
@@ -7915,6 +7907,1385 @@
 </file>
 
 <file path=ppt/slides/slide26.xml><?xml version="1.0" encoding="utf-8"?>
+<p:sld xmlns:a="http://schemas.openxmlformats.org/drawingml/2006/main" xmlns:r="http://schemas.openxmlformats.org/officeDocument/2006/relationships" xmlns:p="http://schemas.openxmlformats.org/presentationml/2006/main">
+  <p:cSld>
+    <p:spTree>
+      <p:nvGrpSpPr>
+        <p:cNvPr id="1" name=""/>
+        <p:cNvGrpSpPr/>
+        <p:nvPr/>
+      </p:nvGrpSpPr>
+      <p:grpSpPr>
+        <a:xfrm>
+          <a:off x="0" y="0"/>
+          <a:ext cx="0" cy="0"/>
+          <a:chOff x="0" y="0"/>
+          <a:chExt cx="0" cy="0"/>
+        </a:xfrm>
+      </p:grpSpPr>
+      <p:sp>
+        <p:nvSpPr>
+          <p:cNvPr id="2" name="内容占位符 1"/>
+          <p:cNvSpPr>
+            <a:spLocks noGrp="1"/>
+          </p:cNvSpPr>
+          <p:nvPr>
+            <p:ph idx="1"/>
+            <p:custDataLst>
+              <p:tags r:id="rId1"/>
+            </p:custDataLst>
+          </p:nvPr>
+        </p:nvSpPr>
+        <p:spPr/>
+        <p:txBody>
+          <a:bodyPr>
+            <a:normAutofit lnSpcReduction="20000"/>
+          </a:bodyPr>
+          <a:lstStyle/>
+          <a:p>
+            <a:pPr lvl="0" algn="l">
+              <a:lnSpc>
+                <a:spcPct val="120000"/>
+              </a:lnSpc>
+              <a:buClrTx/>
+              <a:buSzTx/>
+            </a:pPr>
+            <a:r>
+              <a:rPr lang="zh-CN" altLang="en-US" sz="3200">
+                <a:latin typeface="微软雅黑" panose="020B0503020204020204" charset="-122"/>
+                <a:ea typeface="微软雅黑" panose="020B0503020204020204" charset="-122"/>
+              </a:rPr>
+              <a:t>工作总结（3.</a:t>
+            </a:r>
+            <a:r>
+              <a:rPr lang="en-US" altLang="zh-CN" sz="3200">
+                <a:latin typeface="微软雅黑" panose="020B0503020204020204" charset="-122"/>
+                <a:ea typeface="微软雅黑" panose="020B0503020204020204" charset="-122"/>
+              </a:rPr>
+              <a:t>3</a:t>
+            </a:r>
+            <a:r>
+              <a:rPr lang="zh-CN" altLang="en-US" sz="3200">
+                <a:latin typeface="微软雅黑" panose="020B0503020204020204" charset="-122"/>
+                <a:ea typeface="微软雅黑" panose="020B0503020204020204" charset="-122"/>
+              </a:rPr>
+              <a:t>-</a:t>
+            </a:r>
+            <a:r>
+              <a:rPr lang="en-US" altLang="zh-CN" sz="3200">
+                <a:latin typeface="微软雅黑" panose="020B0503020204020204" charset="-122"/>
+                <a:ea typeface="微软雅黑" panose="020B0503020204020204" charset="-122"/>
+              </a:rPr>
+              <a:t>3.7</a:t>
+            </a:r>
+            <a:r>
+              <a:rPr lang="zh-CN" altLang="en-US" sz="3200">
+                <a:latin typeface="微软雅黑" panose="020B0503020204020204" charset="-122"/>
+                <a:ea typeface="微软雅黑" panose="020B0503020204020204" charset="-122"/>
+              </a:rPr>
+              <a:t>）</a:t>
+            </a:r>
+            <a:endParaRPr lang="zh-CN" altLang="en-US" sz="3200">
+              <a:latin typeface="微软雅黑" panose="020B0503020204020204" charset="-122"/>
+              <a:ea typeface="微软雅黑" panose="020B0503020204020204" charset="-122"/>
+            </a:endParaRPr>
+          </a:p>
+          <a:p>
+            <a:pPr lvl="1" algn="l">
+              <a:lnSpc>
+                <a:spcPct val="120000"/>
+              </a:lnSpc>
+              <a:buClrTx/>
+              <a:buSzTx/>
+            </a:pPr>
+            <a:r>
+              <a:rPr lang="zh-CN" altLang="en-US">
+                <a:latin typeface="微软雅黑" panose="020B0503020204020204" charset="-122"/>
+                <a:ea typeface="微软雅黑" panose="020B0503020204020204" charset="-122"/>
+              </a:rPr>
+              <a:t>目前挖掘出的规则中有部分错误的告警规则，但规模太大</a:t>
+            </a:r>
+            <a:r>
+              <a:rPr lang="zh-CN" altLang="en-US">
+                <a:latin typeface="微软雅黑" panose="020B0503020204020204" charset="-122"/>
+                <a:ea typeface="微软雅黑" panose="020B0503020204020204" charset="-122"/>
+              </a:rPr>
+              <a:t>不能人工干预</a:t>
+            </a:r>
+            <a:endParaRPr lang="zh-CN" altLang="en-US">
+              <a:latin typeface="微软雅黑" panose="020B0503020204020204" charset="-122"/>
+              <a:ea typeface="微软雅黑" panose="020B0503020204020204" charset="-122"/>
+            </a:endParaRPr>
+          </a:p>
+          <a:p>
+            <a:pPr lvl="2" algn="l">
+              <a:lnSpc>
+                <a:spcPct val="120000"/>
+              </a:lnSpc>
+              <a:buClrTx/>
+              <a:buSzTx/>
+            </a:pPr>
+            <a:r>
+              <a:rPr lang="zh-CN" altLang="en-US">
+                <a:latin typeface="微软雅黑" panose="020B0503020204020204" charset="-122"/>
+                <a:ea typeface="微软雅黑" panose="020B0503020204020204" charset="-122"/>
+              </a:rPr>
+              <a:t>提高支持度阈值，可以减少告警规则的规模，但会筛掉一些正确的告警</a:t>
+            </a:r>
+            <a:r>
+              <a:rPr lang="zh-CN" altLang="en-US">
+                <a:latin typeface="微软雅黑" panose="020B0503020204020204" charset="-122"/>
+                <a:ea typeface="微软雅黑" panose="020B0503020204020204" charset="-122"/>
+              </a:rPr>
+              <a:t>规则</a:t>
+            </a:r>
+            <a:endParaRPr lang="zh-CN" altLang="en-US">
+              <a:latin typeface="微软雅黑" panose="020B0503020204020204" charset="-122"/>
+              <a:ea typeface="微软雅黑" panose="020B0503020204020204" charset="-122"/>
+            </a:endParaRPr>
+          </a:p>
+          <a:p>
+            <a:pPr lvl="1" fontAlgn="auto">
+              <a:lnSpc>
+                <a:spcPct val="120000"/>
+              </a:lnSpc>
+            </a:pPr>
+            <a:r>
+              <a:rPr lang="zh-CN" altLang="en-US">
+                <a:latin typeface="微软雅黑" panose="020B0503020204020204" charset="-122"/>
+                <a:ea typeface="微软雅黑" panose="020B0503020204020204" charset="-122"/>
+              </a:rPr>
+              <a:t>试过用</a:t>
+            </a:r>
+            <a:r>
+              <a:rPr lang="zh-CN" altLang="en-US">
+                <a:latin typeface="微软雅黑" panose="020B0503020204020204" charset="-122"/>
+                <a:ea typeface="微软雅黑" panose="020B0503020204020204" charset="-122"/>
+              </a:rPr>
+              <a:t>紧致预测树模型（</a:t>
+            </a:r>
+            <a:r>
+              <a:rPr lang="en-US" altLang="zh-CN">
+                <a:latin typeface="微软雅黑" panose="020B0503020204020204" charset="-122"/>
+                <a:ea typeface="微软雅黑" panose="020B0503020204020204" charset="-122"/>
+              </a:rPr>
+              <a:t>CPT</a:t>
+            </a:r>
+            <a:r>
+              <a:rPr lang="zh-CN" altLang="en-US">
+                <a:latin typeface="微软雅黑" panose="020B0503020204020204" charset="-122"/>
+                <a:ea typeface="微软雅黑" panose="020B0503020204020204" charset="-122"/>
+              </a:rPr>
+              <a:t>）对时间序列做预测，效果不理想</a:t>
+            </a:r>
+            <a:endParaRPr lang="zh-CN" altLang="en-US">
+              <a:latin typeface="微软雅黑" panose="020B0503020204020204" charset="-122"/>
+              <a:ea typeface="微软雅黑" panose="020B0503020204020204" charset="-122"/>
+            </a:endParaRPr>
+          </a:p>
+          <a:p>
+            <a:pPr lvl="2" fontAlgn="auto">
+              <a:lnSpc>
+                <a:spcPct val="120000"/>
+              </a:lnSpc>
+            </a:pPr>
+            <a:r>
+              <a:rPr lang="zh-CN" altLang="en-US">
+                <a:latin typeface="微软雅黑" panose="020B0503020204020204" charset="-122"/>
+                <a:ea typeface="微软雅黑" panose="020B0503020204020204" charset="-122"/>
+              </a:rPr>
+              <a:t>考虑</a:t>
+            </a:r>
+            <a:r>
+              <a:rPr lang="zh-CN" altLang="en-US">
+                <a:latin typeface="微软雅黑" panose="020B0503020204020204" charset="-122"/>
+                <a:ea typeface="微软雅黑" panose="020B0503020204020204" charset="-122"/>
+                <a:sym typeface="+mn-ea"/>
+              </a:rPr>
+              <a:t>预处理流程中</a:t>
+            </a:r>
+            <a:r>
+              <a:rPr lang="zh-CN" altLang="en-US">
+                <a:latin typeface="微软雅黑" panose="020B0503020204020204" charset="-122"/>
+                <a:ea typeface="微软雅黑" panose="020B0503020204020204" charset="-122"/>
+              </a:rPr>
+              <a:t>加入</a:t>
+            </a:r>
+            <a:r>
+              <a:rPr lang="zh-CN" altLang="en-US">
+                <a:latin typeface="微软雅黑" panose="020B0503020204020204" charset="-122"/>
+                <a:ea typeface="微软雅黑" panose="020B0503020204020204" charset="-122"/>
+                <a:sym typeface="+mn-ea"/>
+              </a:rPr>
+              <a:t>步骤：</a:t>
+            </a:r>
+            <a:r>
+              <a:rPr lang="zh-CN" altLang="en-US">
+                <a:latin typeface="微软雅黑" panose="020B0503020204020204" charset="-122"/>
+                <a:ea typeface="微软雅黑" panose="020B0503020204020204" charset="-122"/>
+              </a:rPr>
+              <a:t>根据告警时间</a:t>
+            </a:r>
+            <a:r>
+              <a:rPr lang="zh-CN" altLang="en-US">
+                <a:latin typeface="微软雅黑" panose="020B0503020204020204" charset="-122"/>
+                <a:ea typeface="微软雅黑" panose="020B0503020204020204" charset="-122"/>
+                <a:sym typeface="+mn-ea"/>
+              </a:rPr>
+              <a:t>对告警数据</a:t>
+            </a:r>
+            <a:r>
+              <a:rPr lang="zh-CN" altLang="en-US">
+                <a:latin typeface="微软雅黑" panose="020B0503020204020204" charset="-122"/>
+                <a:ea typeface="微软雅黑" panose="020B0503020204020204" charset="-122"/>
+              </a:rPr>
+              <a:t>聚类</a:t>
+            </a:r>
+            <a:endParaRPr lang="zh-CN" altLang="en-US">
+              <a:latin typeface="微软雅黑" panose="020B0503020204020204" charset="-122"/>
+              <a:ea typeface="微软雅黑" panose="020B0503020204020204" charset="-122"/>
+            </a:endParaRPr>
+          </a:p>
+          <a:p>
+            <a:pPr lvl="1" algn="l">
+              <a:lnSpc>
+                <a:spcPct val="120000"/>
+              </a:lnSpc>
+              <a:buClrTx/>
+              <a:buSzTx/>
+            </a:pPr>
+            <a:r>
+              <a:rPr lang="zh-CN" altLang="en-US">
+                <a:latin typeface="微软雅黑" panose="020B0503020204020204" charset="-122"/>
+                <a:ea typeface="微软雅黑" panose="020B0503020204020204" charset="-122"/>
+                <a:sym typeface="+mn-ea"/>
+              </a:rPr>
+              <a:t>目前是对具体设备做分析，分析设备之间存在的关系</a:t>
+            </a:r>
+            <a:endParaRPr lang="zh-CN" altLang="en-US">
+              <a:latin typeface="微软雅黑" panose="020B0503020204020204" charset="-122"/>
+              <a:ea typeface="微软雅黑" panose="020B0503020204020204" charset="-122"/>
+            </a:endParaRPr>
+          </a:p>
+          <a:p>
+            <a:pPr lvl="1" algn="l">
+              <a:lnSpc>
+                <a:spcPct val="120000"/>
+              </a:lnSpc>
+              <a:buClrTx/>
+              <a:buSzTx/>
+            </a:pPr>
+            <a:r>
+              <a:rPr lang="zh-CN" altLang="en-US">
+                <a:latin typeface="微软雅黑" panose="020B0503020204020204" charset="-122"/>
+                <a:ea typeface="微软雅黑" panose="020B0503020204020204" charset="-122"/>
+              </a:rPr>
+              <a:t>下一步对告警类型进行分析，根据关联关系找告警与告警之间关系，例如找一系列中谁是根源告警、谁是衍生告警。最好能画出类似</a:t>
+            </a:r>
+            <a:r>
+              <a:rPr lang="zh-CN" altLang="en-US">
+                <a:latin typeface="微软雅黑" panose="020B0503020204020204" charset="-122"/>
+                <a:ea typeface="微软雅黑" panose="020B0503020204020204" charset="-122"/>
+              </a:rPr>
+              <a:t>的树状</a:t>
+            </a:r>
+            <a:r>
+              <a:rPr lang="zh-CN" altLang="en-US">
+                <a:latin typeface="微软雅黑" panose="020B0503020204020204" charset="-122"/>
+                <a:ea typeface="微软雅黑" panose="020B0503020204020204" charset="-122"/>
+              </a:rPr>
+              <a:t>结构</a:t>
+            </a:r>
+            <a:endParaRPr lang="zh-CN" altLang="en-US">
+              <a:latin typeface="微软雅黑" panose="020B0503020204020204" charset="-122"/>
+              <a:ea typeface="微软雅黑" panose="020B0503020204020204" charset="-122"/>
+            </a:endParaRPr>
+          </a:p>
+          <a:p>
+            <a:pPr lvl="1"/>
+            <a:endParaRPr lang="zh-CN" altLang="en-US">
+              <a:latin typeface="微软雅黑" panose="020B0503020204020204" charset="-122"/>
+              <a:ea typeface="微软雅黑" panose="020B0503020204020204" charset="-122"/>
+            </a:endParaRPr>
+          </a:p>
+        </p:txBody>
+      </p:sp>
+      <p:sp>
+        <p:nvSpPr>
+          <p:cNvPr id="3" name="标题 2"/>
+          <p:cNvSpPr>
+            <a:spLocks noGrp="1"/>
+          </p:cNvSpPr>
+          <p:nvPr>
+            <p:ph type="title"/>
+          </p:nvPr>
+        </p:nvSpPr>
+        <p:spPr/>
+        <p:txBody>
+          <a:bodyPr/>
+          <a:lstStyle/>
+          <a:p>
+            <a:r>
+              <a:rPr lang="zh-CN" altLang="en-US"/>
+              <a:t>工作总结</a:t>
+            </a:r>
+            <a:endParaRPr lang="zh-CN" altLang="en-US"/>
+          </a:p>
+        </p:txBody>
+      </p:sp>
+    </p:spTree>
+  </p:cSld>
+  <p:clrMapOvr>
+    <a:masterClrMapping/>
+  </p:clrMapOvr>
+</p:sld>
+</file>
+
+<file path=ppt/slides/slide27.xml><?xml version="1.0" encoding="utf-8"?>
+<p:sld xmlns:a="http://schemas.openxmlformats.org/drawingml/2006/main" xmlns:r="http://schemas.openxmlformats.org/officeDocument/2006/relationships" xmlns:p="http://schemas.openxmlformats.org/presentationml/2006/main">
+  <p:cSld>
+    <p:spTree>
+      <p:nvGrpSpPr>
+        <p:cNvPr id="1" name=""/>
+        <p:cNvGrpSpPr/>
+        <p:nvPr/>
+      </p:nvGrpSpPr>
+      <p:grpSpPr>
+        <a:xfrm>
+          <a:off x="0" y="0"/>
+          <a:ext cx="0" cy="0"/>
+          <a:chOff x="0" y="0"/>
+          <a:chExt cx="0" cy="0"/>
+        </a:xfrm>
+      </p:grpSpPr>
+      <p:sp>
+        <p:nvSpPr>
+          <p:cNvPr id="2" name="内容占位符 1"/>
+          <p:cNvSpPr>
+            <a:spLocks noGrp="1"/>
+          </p:cNvSpPr>
+          <p:nvPr>
+            <p:ph idx="1"/>
+            <p:custDataLst>
+              <p:tags r:id="rId1"/>
+            </p:custDataLst>
+          </p:nvPr>
+        </p:nvSpPr>
+        <p:spPr/>
+        <p:txBody>
+          <a:bodyPr>
+            <a:normAutofit lnSpcReduction="20000"/>
+          </a:bodyPr>
+          <a:lstStyle/>
+          <a:p>
+            <a:pPr lvl="0" algn="l">
+              <a:lnSpc>
+                <a:spcPct val="120000"/>
+              </a:lnSpc>
+              <a:buClrTx/>
+              <a:buSzTx/>
+            </a:pPr>
+            <a:r>
+              <a:rPr lang="zh-CN" altLang="en-US" sz="3200">
+                <a:latin typeface="微软雅黑" panose="020B0503020204020204" charset="-122"/>
+                <a:ea typeface="微软雅黑" panose="020B0503020204020204" charset="-122"/>
+              </a:rPr>
+              <a:t>工作总结（3.</a:t>
+            </a:r>
+            <a:r>
+              <a:rPr lang="en-US" altLang="zh-CN" sz="3200">
+                <a:latin typeface="微软雅黑" panose="020B0503020204020204" charset="-122"/>
+                <a:ea typeface="微软雅黑" panose="020B0503020204020204" charset="-122"/>
+              </a:rPr>
+              <a:t>10</a:t>
+            </a:r>
+            <a:r>
+              <a:rPr lang="zh-CN" altLang="en-US" sz="3200">
+                <a:latin typeface="微软雅黑" panose="020B0503020204020204" charset="-122"/>
+                <a:ea typeface="微软雅黑" panose="020B0503020204020204" charset="-122"/>
+              </a:rPr>
+              <a:t>-</a:t>
+            </a:r>
+            <a:r>
+              <a:rPr lang="en-US" altLang="zh-CN" sz="3200">
+                <a:latin typeface="微软雅黑" panose="020B0503020204020204" charset="-122"/>
+                <a:ea typeface="微软雅黑" panose="020B0503020204020204" charset="-122"/>
+              </a:rPr>
+              <a:t>3.15</a:t>
+            </a:r>
+            <a:r>
+              <a:rPr lang="zh-CN" altLang="en-US" sz="3200">
+                <a:latin typeface="微软雅黑" panose="020B0503020204020204" charset="-122"/>
+                <a:ea typeface="微软雅黑" panose="020B0503020204020204" charset="-122"/>
+              </a:rPr>
+              <a:t>）</a:t>
+            </a:r>
+            <a:endParaRPr lang="zh-CN" altLang="en-US" sz="3200">
+              <a:latin typeface="微软雅黑" panose="020B0503020204020204" charset="-122"/>
+              <a:ea typeface="微软雅黑" panose="020B0503020204020204" charset="-122"/>
+            </a:endParaRPr>
+          </a:p>
+          <a:p>
+            <a:pPr lvl="1" algn="l" fontAlgn="auto">
+              <a:lnSpc>
+                <a:spcPct val="120000"/>
+              </a:lnSpc>
+              <a:buClrTx/>
+              <a:buSzTx/>
+            </a:pPr>
+            <a:r>
+              <a:rPr lang="zh-CN" altLang="en-US">
+                <a:latin typeface="微软雅黑" panose="020B0503020204020204" charset="-122"/>
+                <a:ea typeface="微软雅黑" panose="020B0503020204020204" charset="-122"/>
+                <a:sym typeface="+mn-ea"/>
+              </a:rPr>
+              <a:t>试过用紧致预测树模型（CPT）对时间序列做预测，效果不理想</a:t>
+            </a:r>
+            <a:endParaRPr lang="zh-CN" altLang="en-US">
+              <a:latin typeface="微软雅黑" panose="020B0503020204020204" charset="-122"/>
+              <a:ea typeface="微软雅黑" panose="020B0503020204020204" charset="-122"/>
+            </a:endParaRPr>
+          </a:p>
+          <a:p>
+            <a:pPr lvl="1" fontAlgn="auto">
+              <a:lnSpc>
+                <a:spcPct val="120000"/>
+              </a:lnSpc>
+            </a:pPr>
+            <a:r>
+              <a:rPr lang="zh-CN" altLang="en-US">
+                <a:latin typeface="微软雅黑" panose="020B0503020204020204" charset="-122"/>
+                <a:ea typeface="微软雅黑" panose="020B0503020204020204" charset="-122"/>
+              </a:rPr>
+              <a:t>阅读论文</a:t>
+            </a:r>
+            <a:endParaRPr lang="zh-CN" altLang="en-US">
+              <a:latin typeface="微软雅黑" panose="020B0503020204020204" charset="-122"/>
+              <a:ea typeface="微软雅黑" panose="020B0503020204020204" charset="-122"/>
+            </a:endParaRPr>
+          </a:p>
+          <a:p>
+            <a:pPr lvl="1" fontAlgn="auto">
+              <a:lnSpc>
+                <a:spcPct val="120000"/>
+              </a:lnSpc>
+            </a:pPr>
+            <a:r>
+              <a:rPr lang="zh-CN" altLang="en-US">
+                <a:latin typeface="微软雅黑" panose="020B0503020204020204" charset="-122"/>
+                <a:ea typeface="微软雅黑" panose="020B0503020204020204" charset="-122"/>
+                <a:sym typeface="+mn-ea"/>
+              </a:rPr>
+              <a:t>对当前状态</a:t>
+            </a:r>
+            <a:r>
+              <a:rPr lang="en-US" altLang="zh-CN">
+                <a:latin typeface="微软雅黑" panose="020B0503020204020204" charset="-122"/>
+                <a:ea typeface="微软雅黑" panose="020B0503020204020204" charset="-122"/>
+                <a:sym typeface="+mn-ea"/>
+              </a:rPr>
+              <a:t>-&gt;</a:t>
+            </a:r>
+            <a:r>
+              <a:rPr lang="zh-CN" altLang="en-US">
+                <a:latin typeface="微软雅黑" panose="020B0503020204020204" charset="-122"/>
+                <a:ea typeface="微软雅黑" panose="020B0503020204020204" charset="-122"/>
+                <a:sym typeface="+mn-ea"/>
+              </a:rPr>
+              <a:t>未来状态的预测问题转化为知识图谱中的链接预测问题</a:t>
+            </a:r>
+            <a:endParaRPr lang="zh-CN" altLang="en-US">
+              <a:latin typeface="微软雅黑" panose="020B0503020204020204" charset="-122"/>
+              <a:ea typeface="微软雅黑" panose="020B0503020204020204" charset="-122"/>
+            </a:endParaRPr>
+          </a:p>
+          <a:p>
+            <a:pPr lvl="1" fontAlgn="auto">
+              <a:lnSpc>
+                <a:spcPct val="120000"/>
+              </a:lnSpc>
+            </a:pPr>
+            <a:r>
+              <a:rPr lang="zh-CN" altLang="en-US">
+                <a:latin typeface="微软雅黑" panose="020B0503020204020204" charset="-122"/>
+                <a:ea typeface="微软雅黑" panose="020B0503020204020204" charset="-122"/>
+              </a:rPr>
+              <a:t>知识图谱</a:t>
+            </a:r>
+            <a:r>
+              <a:rPr lang="en-US" altLang="zh-CN">
+                <a:latin typeface="微软雅黑" panose="020B0503020204020204" charset="-122"/>
+                <a:ea typeface="微软雅黑" panose="020B0503020204020204" charset="-122"/>
+              </a:rPr>
+              <a:t>(KGs)</a:t>
+            </a:r>
+            <a:r>
+              <a:rPr lang="zh-CN" altLang="en-US">
+                <a:latin typeface="微软雅黑" panose="020B0503020204020204" charset="-122"/>
+                <a:ea typeface="微软雅黑" panose="020B0503020204020204" charset="-122"/>
+              </a:rPr>
+              <a:t>的构建：三元组（</a:t>
+            </a:r>
+            <a:r>
+              <a:rPr lang="en-US" altLang="zh-CN">
+                <a:latin typeface="微软雅黑" panose="020B0503020204020204" charset="-122"/>
+                <a:ea typeface="微软雅黑" panose="020B0503020204020204" charset="-122"/>
+              </a:rPr>
+              <a:t>h</a:t>
+            </a:r>
+            <a:r>
+              <a:rPr lang="zh-CN" altLang="en-US">
+                <a:latin typeface="微软雅黑" panose="020B0503020204020204" charset="-122"/>
+                <a:ea typeface="微软雅黑" panose="020B0503020204020204" charset="-122"/>
+              </a:rPr>
+              <a:t>，</a:t>
+            </a:r>
+            <a:r>
+              <a:rPr lang="en-US" altLang="zh-CN">
+                <a:latin typeface="微软雅黑" panose="020B0503020204020204" charset="-122"/>
+                <a:ea typeface="微软雅黑" panose="020B0503020204020204" charset="-122"/>
+              </a:rPr>
+              <a:t>r</a:t>
+            </a:r>
+            <a:r>
+              <a:rPr lang="zh-CN" altLang="en-US">
+                <a:latin typeface="微软雅黑" panose="020B0503020204020204" charset="-122"/>
+                <a:ea typeface="微软雅黑" panose="020B0503020204020204" charset="-122"/>
+              </a:rPr>
+              <a:t>，</a:t>
+            </a:r>
+            <a:r>
+              <a:rPr lang="en-US" altLang="zh-CN">
+                <a:latin typeface="微软雅黑" panose="020B0503020204020204" charset="-122"/>
+                <a:ea typeface="微软雅黑" panose="020B0503020204020204" charset="-122"/>
+              </a:rPr>
+              <a:t>t</a:t>
+            </a:r>
+            <a:r>
+              <a:rPr lang="zh-CN" altLang="en-US">
+                <a:latin typeface="微软雅黑" panose="020B0503020204020204" charset="-122"/>
+                <a:ea typeface="微软雅黑" panose="020B0503020204020204" charset="-122"/>
+              </a:rPr>
+              <a:t>）</a:t>
+            </a:r>
+            <a:r>
+              <a:rPr lang="en-US" altLang="zh-CN">
+                <a:latin typeface="微软雅黑" panose="020B0503020204020204" charset="-122"/>
+                <a:ea typeface="微软雅黑" panose="020B0503020204020204" charset="-122"/>
+              </a:rPr>
+              <a:t>,</a:t>
+            </a:r>
+            <a:r>
+              <a:rPr lang="zh-CN" altLang="en-US">
+                <a:latin typeface="微软雅黑" panose="020B0503020204020204" charset="-122"/>
+                <a:ea typeface="微软雅黑" panose="020B0503020204020204" charset="-122"/>
+              </a:rPr>
+              <a:t>即网元</a:t>
+            </a:r>
+            <a:r>
+              <a:rPr lang="en-US" altLang="zh-CN">
+                <a:latin typeface="微软雅黑" panose="020B0503020204020204" charset="-122"/>
+                <a:ea typeface="微软雅黑" panose="020B0503020204020204" charset="-122"/>
+              </a:rPr>
+              <a:t>h</a:t>
+            </a:r>
+            <a:r>
+              <a:rPr lang="zh-CN" altLang="en-US">
+                <a:latin typeface="微软雅黑" panose="020B0503020204020204" charset="-122"/>
+                <a:ea typeface="微软雅黑" panose="020B0503020204020204" charset="-122"/>
+              </a:rPr>
+              <a:t>报</a:t>
+            </a:r>
+            <a:r>
+              <a:rPr lang="en-US" altLang="zh-CN">
+                <a:latin typeface="微软雅黑" panose="020B0503020204020204" charset="-122"/>
+                <a:ea typeface="微软雅黑" panose="020B0503020204020204" charset="-122"/>
+              </a:rPr>
+              <a:t>r</a:t>
+            </a:r>
+            <a:r>
+              <a:rPr lang="zh-CN" altLang="en-US">
+                <a:latin typeface="微软雅黑" panose="020B0503020204020204" charset="-122"/>
+                <a:ea typeface="微软雅黑" panose="020B0503020204020204" charset="-122"/>
+              </a:rPr>
+              <a:t>类型告警后引发了网元</a:t>
+            </a:r>
+            <a:r>
+              <a:rPr lang="en-US" altLang="zh-CN">
+                <a:latin typeface="微软雅黑" panose="020B0503020204020204" charset="-122"/>
+                <a:ea typeface="微软雅黑" panose="020B0503020204020204" charset="-122"/>
+              </a:rPr>
+              <a:t>t</a:t>
+            </a:r>
+            <a:r>
+              <a:rPr lang="zh-CN" altLang="en-US">
+                <a:latin typeface="微软雅黑" panose="020B0503020204020204" charset="-122"/>
+                <a:ea typeface="微软雅黑" panose="020B0503020204020204" charset="-122"/>
+              </a:rPr>
+              <a:t>告警</a:t>
+            </a:r>
+            <a:endParaRPr lang="zh-CN" altLang="en-US">
+              <a:latin typeface="微软雅黑" panose="020B0503020204020204" charset="-122"/>
+              <a:ea typeface="微软雅黑" panose="020B0503020204020204" charset="-122"/>
+            </a:endParaRPr>
+          </a:p>
+          <a:p>
+            <a:pPr lvl="2" fontAlgn="auto">
+              <a:lnSpc>
+                <a:spcPct val="120000"/>
+              </a:lnSpc>
+            </a:pPr>
+            <a:r>
+              <a:rPr lang="zh-CN" altLang="en-US">
+                <a:latin typeface="微软雅黑" panose="020B0503020204020204" charset="-122"/>
+                <a:ea typeface="微软雅黑" panose="020B0503020204020204" charset="-122"/>
+              </a:rPr>
+              <a:t>可以根据频繁序列挖掘结果构建</a:t>
+            </a:r>
+            <a:r>
+              <a:rPr lang="en-US" altLang="zh-CN">
+                <a:latin typeface="微软雅黑" panose="020B0503020204020204" charset="-122"/>
+                <a:ea typeface="微软雅黑" panose="020B0503020204020204" charset="-122"/>
+              </a:rPr>
+              <a:t>tKGs</a:t>
+            </a:r>
+            <a:endParaRPr lang="zh-CN" altLang="en-US">
+              <a:latin typeface="微软雅黑" panose="020B0503020204020204" charset="-122"/>
+              <a:ea typeface="微软雅黑" panose="020B0503020204020204" charset="-122"/>
+            </a:endParaRPr>
+          </a:p>
+          <a:p>
+            <a:pPr lvl="1" fontAlgn="auto">
+              <a:lnSpc>
+                <a:spcPct val="120000"/>
+              </a:lnSpc>
+            </a:pPr>
+            <a:endParaRPr lang="zh-CN" altLang="en-US">
+              <a:latin typeface="微软雅黑" panose="020B0503020204020204" charset="-122"/>
+              <a:ea typeface="微软雅黑" panose="020B0503020204020204" charset="-122"/>
+            </a:endParaRPr>
+          </a:p>
+          <a:p>
+            <a:pPr lvl="1"/>
+            <a:endParaRPr lang="zh-CN" altLang="en-US">
+              <a:latin typeface="微软雅黑" panose="020B0503020204020204" charset="-122"/>
+              <a:ea typeface="微软雅黑" panose="020B0503020204020204" charset="-122"/>
+            </a:endParaRPr>
+          </a:p>
+        </p:txBody>
+      </p:sp>
+      <p:sp>
+        <p:nvSpPr>
+          <p:cNvPr id="3" name="标题 2"/>
+          <p:cNvSpPr>
+            <a:spLocks noGrp="1"/>
+          </p:cNvSpPr>
+          <p:nvPr>
+            <p:ph type="title"/>
+          </p:nvPr>
+        </p:nvSpPr>
+        <p:spPr/>
+        <p:txBody>
+          <a:bodyPr/>
+          <a:lstStyle/>
+          <a:p>
+            <a:r>
+              <a:rPr lang="zh-CN" altLang="en-US"/>
+              <a:t>工作总结</a:t>
+            </a:r>
+            <a:endParaRPr lang="zh-CN" altLang="en-US"/>
+          </a:p>
+        </p:txBody>
+      </p:sp>
+      <p:sp>
+        <p:nvSpPr>
+          <p:cNvPr id="4" name="椭圆 3"/>
+          <p:cNvSpPr/>
+          <p:nvPr/>
+        </p:nvSpPr>
+        <p:spPr>
+          <a:xfrm>
+            <a:off x="4246245" y="5200015"/>
+            <a:ext cx="1080770" cy="1073150"/>
+          </a:xfrm>
+          <a:prstGeom prst="ellipse">
+            <a:avLst/>
+          </a:prstGeom>
+        </p:spPr>
+        <p:style>
+          <a:lnRef idx="2">
+            <a:schemeClr val="accent1">
+              <a:shade val="50000"/>
+            </a:schemeClr>
+          </a:lnRef>
+          <a:fillRef idx="1">
+            <a:schemeClr val="accent1"/>
+          </a:fillRef>
+          <a:effectRef idx="0">
+            <a:schemeClr val="accent1"/>
+          </a:effectRef>
+          <a:fontRef idx="minor">
+            <a:schemeClr val="lt1"/>
+          </a:fontRef>
+        </p:style>
+        <p:txBody>
+          <a:bodyPr rtlCol="0" anchor="ctr"/>
+          <a:p>
+            <a:pPr algn="ctr"/>
+            <a:r>
+              <a:rPr lang="zh-CN" altLang="en-US"/>
+              <a:t>网元</a:t>
+            </a:r>
+            <a:r>
+              <a:rPr lang="en-US" altLang="zh-CN"/>
+              <a:t>h</a:t>
+            </a:r>
+            <a:endParaRPr lang="en-US" altLang="zh-CN"/>
+          </a:p>
+        </p:txBody>
+      </p:sp>
+      <p:sp>
+        <p:nvSpPr>
+          <p:cNvPr id="6" name="右箭头 5"/>
+          <p:cNvSpPr/>
+          <p:nvPr/>
+        </p:nvSpPr>
+        <p:spPr>
+          <a:xfrm>
+            <a:off x="5579745" y="5441950"/>
+            <a:ext cx="1200785" cy="588645"/>
+          </a:xfrm>
+          <a:prstGeom prst="rightArrow">
+            <a:avLst/>
+          </a:prstGeom>
+        </p:spPr>
+        <p:style>
+          <a:lnRef idx="2">
+            <a:schemeClr val="accent1">
+              <a:shade val="50000"/>
+            </a:schemeClr>
+          </a:lnRef>
+          <a:fillRef idx="1">
+            <a:schemeClr val="accent1"/>
+          </a:fillRef>
+          <a:effectRef idx="0">
+            <a:schemeClr val="accent1"/>
+          </a:effectRef>
+          <a:fontRef idx="minor">
+            <a:schemeClr val="lt1"/>
+          </a:fontRef>
+        </p:style>
+        <p:txBody>
+          <a:bodyPr rtlCol="0" anchor="ctr"/>
+          <a:p>
+            <a:pPr algn="ctr"/>
+            <a:r>
+              <a:rPr lang="zh-CN" altLang="en-US"/>
+              <a:t>告警</a:t>
+            </a:r>
+            <a:r>
+              <a:rPr lang="en-US" altLang="zh-CN"/>
+              <a:t>r</a:t>
+            </a:r>
+            <a:endParaRPr lang="en-US" altLang="zh-CN"/>
+          </a:p>
+        </p:txBody>
+      </p:sp>
+      <p:sp>
+        <p:nvSpPr>
+          <p:cNvPr id="8" name="椭圆 7"/>
+          <p:cNvSpPr/>
+          <p:nvPr>
+            <p:custDataLst>
+              <p:tags r:id="rId2"/>
+            </p:custDataLst>
+          </p:nvPr>
+        </p:nvSpPr>
+        <p:spPr>
+          <a:xfrm>
+            <a:off x="6990715" y="5200015"/>
+            <a:ext cx="1080770" cy="1073150"/>
+          </a:xfrm>
+          <a:prstGeom prst="ellipse">
+            <a:avLst/>
+          </a:prstGeom>
+        </p:spPr>
+        <p:style>
+          <a:lnRef idx="2">
+            <a:schemeClr val="accent1">
+              <a:shade val="50000"/>
+            </a:schemeClr>
+          </a:lnRef>
+          <a:fillRef idx="1">
+            <a:schemeClr val="accent1"/>
+          </a:fillRef>
+          <a:effectRef idx="0">
+            <a:schemeClr val="accent1"/>
+          </a:effectRef>
+          <a:fontRef idx="minor">
+            <a:schemeClr val="lt1"/>
+          </a:fontRef>
+        </p:style>
+        <p:txBody>
+          <a:bodyPr rtlCol="0" anchor="ctr"/>
+          <a:p>
+            <a:pPr algn="ctr"/>
+            <a:r>
+              <a:rPr lang="zh-CN" altLang="en-US"/>
+              <a:t>网元</a:t>
+            </a:r>
+            <a:r>
+              <a:rPr lang="en-US" altLang="zh-CN"/>
+              <a:t>t</a:t>
+            </a:r>
+            <a:endParaRPr lang="en-US" altLang="zh-CN"/>
+          </a:p>
+        </p:txBody>
+      </p:sp>
+    </p:spTree>
+  </p:cSld>
+  <p:clrMapOvr>
+    <a:masterClrMapping/>
+  </p:clrMapOvr>
+</p:sld>
+</file>
+
+<file path=ppt/slides/slide28.xml><?xml version="1.0" encoding="utf-8"?>
+<p:sld xmlns:a="http://schemas.openxmlformats.org/drawingml/2006/main" xmlns:r="http://schemas.openxmlformats.org/officeDocument/2006/relationships" xmlns:p="http://schemas.openxmlformats.org/presentationml/2006/main">
+  <p:cSld>
+    <p:spTree>
+      <p:nvGrpSpPr>
+        <p:cNvPr id="1" name=""/>
+        <p:cNvGrpSpPr/>
+        <p:nvPr/>
+      </p:nvGrpSpPr>
+      <p:grpSpPr>
+        <a:xfrm>
+          <a:off x="0" y="0"/>
+          <a:ext cx="0" cy="0"/>
+          <a:chOff x="0" y="0"/>
+          <a:chExt cx="0" cy="0"/>
+        </a:xfrm>
+      </p:grpSpPr>
+      <p:sp>
+        <p:nvSpPr>
+          <p:cNvPr id="2" name="内容占位符 1"/>
+          <p:cNvSpPr>
+            <a:spLocks noGrp="1"/>
+          </p:cNvSpPr>
+          <p:nvPr>
+            <p:ph idx="1"/>
+            <p:custDataLst>
+              <p:tags r:id="rId1"/>
+            </p:custDataLst>
+          </p:nvPr>
+        </p:nvSpPr>
+        <p:spPr/>
+        <p:txBody>
+          <a:bodyPr>
+            <a:normAutofit lnSpcReduction="20000"/>
+          </a:bodyPr>
+          <a:lstStyle/>
+          <a:p>
+            <a:pPr lvl="0" algn="l">
+              <a:lnSpc>
+                <a:spcPct val="120000"/>
+              </a:lnSpc>
+              <a:buClrTx/>
+              <a:buSzTx/>
+            </a:pPr>
+            <a:r>
+              <a:rPr lang="zh-CN" altLang="en-US" sz="3200">
+                <a:latin typeface="微软雅黑" panose="020B0503020204020204" charset="-122"/>
+                <a:ea typeface="微软雅黑" panose="020B0503020204020204" charset="-122"/>
+              </a:rPr>
+              <a:t>工作总结（</a:t>
+            </a:r>
+            <a:r>
+              <a:rPr lang="zh-CN" altLang="en-US" sz="3200">
+                <a:latin typeface="微软雅黑" panose="020B0503020204020204" charset="-122"/>
+                <a:ea typeface="微软雅黑" panose="020B0503020204020204" charset="-122"/>
+                <a:sym typeface="+mn-ea"/>
+              </a:rPr>
+              <a:t>3.</a:t>
+            </a:r>
+            <a:r>
+              <a:rPr lang="en-US" altLang="zh-CN" sz="3200">
+                <a:latin typeface="微软雅黑" panose="020B0503020204020204" charset="-122"/>
+                <a:ea typeface="微软雅黑" panose="020B0503020204020204" charset="-122"/>
+                <a:sym typeface="+mn-ea"/>
+              </a:rPr>
+              <a:t>10</a:t>
+            </a:r>
+            <a:r>
+              <a:rPr lang="zh-CN" altLang="en-US" sz="3200">
+                <a:latin typeface="微软雅黑" panose="020B0503020204020204" charset="-122"/>
+                <a:ea typeface="微软雅黑" panose="020B0503020204020204" charset="-122"/>
+                <a:sym typeface="+mn-ea"/>
+              </a:rPr>
+              <a:t>-</a:t>
+            </a:r>
+            <a:r>
+              <a:rPr lang="en-US" altLang="zh-CN" sz="3200">
+                <a:latin typeface="微软雅黑" panose="020B0503020204020204" charset="-122"/>
+                <a:ea typeface="微软雅黑" panose="020B0503020204020204" charset="-122"/>
+                <a:sym typeface="+mn-ea"/>
+              </a:rPr>
+              <a:t>3.15</a:t>
+            </a:r>
+            <a:r>
+              <a:rPr lang="zh-CN" altLang="en-US" sz="3200">
+                <a:latin typeface="微软雅黑" panose="020B0503020204020204" charset="-122"/>
+                <a:ea typeface="微软雅黑" panose="020B0503020204020204" charset="-122"/>
+              </a:rPr>
+              <a:t>）</a:t>
+            </a:r>
+            <a:endParaRPr lang="zh-CN" altLang="en-US" sz="3200">
+              <a:latin typeface="微软雅黑" panose="020B0503020204020204" charset="-122"/>
+              <a:ea typeface="微软雅黑" panose="020B0503020204020204" charset="-122"/>
+            </a:endParaRPr>
+          </a:p>
+          <a:p>
+            <a:pPr lvl="1" fontAlgn="auto">
+              <a:lnSpc>
+                <a:spcPct val="120000"/>
+              </a:lnSpc>
+            </a:pPr>
+            <a:r>
+              <a:rPr lang="zh-CN" altLang="en-US">
+                <a:latin typeface="微软雅黑" panose="020B0503020204020204" charset="-122"/>
+                <a:ea typeface="微软雅黑" panose="020B0503020204020204" charset="-122"/>
+                <a:sym typeface="+mn-ea"/>
+              </a:rPr>
+              <a:t>链接预测问题（</a:t>
+            </a:r>
+            <a:r>
+              <a:rPr lang="en-US" altLang="zh-CN">
+                <a:latin typeface="微软雅黑" panose="020B0503020204020204" charset="-122"/>
+                <a:ea typeface="微软雅黑" panose="020B0503020204020204" charset="-122"/>
+                <a:sym typeface="+mn-ea"/>
+              </a:rPr>
+              <a:t>LP</a:t>
+            </a:r>
+            <a:r>
+              <a:rPr lang="zh-CN" altLang="en-US">
+                <a:latin typeface="微软雅黑" panose="020B0503020204020204" charset="-122"/>
+                <a:ea typeface="微软雅黑" panose="020B0503020204020204" charset="-122"/>
+                <a:sym typeface="+mn-ea"/>
+              </a:rPr>
+              <a:t>）：</a:t>
+            </a:r>
+            <a:r>
+              <a:rPr lang="zh-CN" altLang="en-US">
+                <a:latin typeface="微软雅黑" panose="020B0503020204020204" charset="-122"/>
+                <a:ea typeface="微软雅黑" panose="020B0503020204020204" charset="-122"/>
+                <a:sym typeface="+mn-ea"/>
+              </a:rPr>
+              <a:t>（</a:t>
+            </a:r>
+            <a:r>
+              <a:rPr lang="en-US" altLang="zh-CN">
+                <a:latin typeface="微软雅黑" panose="020B0503020204020204" charset="-122"/>
+                <a:ea typeface="微软雅黑" panose="020B0503020204020204" charset="-122"/>
+                <a:sym typeface="+mn-ea"/>
+              </a:rPr>
+              <a:t>h</a:t>
+            </a:r>
+            <a:r>
+              <a:rPr lang="zh-CN" altLang="en-US">
+                <a:latin typeface="微软雅黑" panose="020B0503020204020204" charset="-122"/>
+                <a:ea typeface="微软雅黑" panose="020B0503020204020204" charset="-122"/>
+                <a:sym typeface="+mn-ea"/>
+              </a:rPr>
+              <a:t>，</a:t>
+            </a:r>
+            <a:r>
+              <a:rPr lang="en-US" altLang="zh-CN">
+                <a:latin typeface="微软雅黑" panose="020B0503020204020204" charset="-122"/>
+                <a:ea typeface="微软雅黑" panose="020B0503020204020204" charset="-122"/>
+                <a:sym typeface="+mn-ea"/>
+              </a:rPr>
+              <a:t>r</a:t>
+            </a:r>
+            <a:r>
+              <a:rPr lang="zh-CN" altLang="en-US">
+                <a:latin typeface="微软雅黑" panose="020B0503020204020204" charset="-122"/>
+                <a:ea typeface="微软雅黑" panose="020B0503020204020204" charset="-122"/>
+                <a:sym typeface="+mn-ea"/>
+              </a:rPr>
+              <a:t>，</a:t>
+            </a:r>
+            <a:r>
+              <a:rPr lang="en-US" altLang="zh-CN">
+                <a:latin typeface="微软雅黑" panose="020B0503020204020204" charset="-122"/>
+                <a:ea typeface="微软雅黑" panose="020B0503020204020204" charset="-122"/>
+                <a:sym typeface="+mn-ea"/>
+              </a:rPr>
+              <a:t>?</a:t>
+            </a:r>
+            <a:r>
+              <a:rPr lang="zh-CN" altLang="en-US">
+                <a:latin typeface="微软雅黑" panose="020B0503020204020204" charset="-122"/>
+                <a:ea typeface="微软雅黑" panose="020B0503020204020204" charset="-122"/>
+                <a:sym typeface="+mn-ea"/>
+              </a:rPr>
+              <a:t>）</a:t>
+            </a:r>
+            <a:endParaRPr lang="zh-CN" altLang="en-US">
+              <a:latin typeface="微软雅黑" panose="020B0503020204020204" charset="-122"/>
+              <a:ea typeface="微软雅黑" panose="020B0503020204020204" charset="-122"/>
+              <a:sym typeface="+mn-ea"/>
+            </a:endParaRPr>
+          </a:p>
+          <a:p>
+            <a:pPr lvl="1" fontAlgn="auto">
+              <a:lnSpc>
+                <a:spcPct val="120000"/>
+              </a:lnSpc>
+            </a:pPr>
+            <a:endParaRPr lang="zh-CN" altLang="en-US">
+              <a:latin typeface="微软雅黑" panose="020B0503020204020204" charset="-122"/>
+              <a:ea typeface="微软雅黑" panose="020B0503020204020204" charset="-122"/>
+            </a:endParaRPr>
+          </a:p>
+          <a:p>
+            <a:pPr lvl="1" fontAlgn="auto">
+              <a:lnSpc>
+                <a:spcPct val="120000"/>
+              </a:lnSpc>
+            </a:pPr>
+            <a:endParaRPr lang="zh-CN" altLang="en-US">
+              <a:latin typeface="微软雅黑" panose="020B0503020204020204" charset="-122"/>
+              <a:ea typeface="微软雅黑" panose="020B0503020204020204" charset="-122"/>
+            </a:endParaRPr>
+          </a:p>
+          <a:p>
+            <a:pPr lvl="1" fontAlgn="auto">
+              <a:lnSpc>
+                <a:spcPct val="120000"/>
+              </a:lnSpc>
+            </a:pPr>
+            <a:endParaRPr lang="zh-CN" altLang="en-US">
+              <a:latin typeface="微软雅黑" panose="020B0503020204020204" charset="-122"/>
+              <a:ea typeface="微软雅黑" panose="020B0503020204020204" charset="-122"/>
+            </a:endParaRPr>
+          </a:p>
+          <a:p>
+            <a:pPr lvl="1" fontAlgn="auto">
+              <a:lnSpc>
+                <a:spcPct val="120000"/>
+              </a:lnSpc>
+            </a:pPr>
+            <a:endParaRPr lang="zh-CN" altLang="en-US">
+              <a:latin typeface="微软雅黑" panose="020B0503020204020204" charset="-122"/>
+              <a:ea typeface="微软雅黑" panose="020B0503020204020204" charset="-122"/>
+            </a:endParaRPr>
+          </a:p>
+          <a:p>
+            <a:pPr lvl="1" fontAlgn="auto">
+              <a:lnSpc>
+                <a:spcPct val="120000"/>
+              </a:lnSpc>
+            </a:pPr>
+            <a:r>
+              <a:rPr lang="zh-CN" altLang="en-US">
+                <a:latin typeface="微软雅黑" panose="020B0503020204020204" charset="-122"/>
+                <a:ea typeface="微软雅黑" panose="020B0503020204020204" charset="-122"/>
+              </a:rPr>
+              <a:t>基于嵌入的</a:t>
+            </a:r>
+            <a:r>
+              <a:rPr lang="en-US" altLang="zh-CN">
+                <a:latin typeface="微软雅黑" panose="020B0503020204020204" charset="-122"/>
+                <a:ea typeface="微软雅黑" panose="020B0503020204020204" charset="-122"/>
+              </a:rPr>
+              <a:t>LP</a:t>
+            </a:r>
+            <a:r>
+              <a:rPr lang="zh-CN" altLang="en-US">
+                <a:latin typeface="微软雅黑" panose="020B0503020204020204" charset="-122"/>
+                <a:ea typeface="微软雅黑" panose="020B0503020204020204" charset="-122"/>
+              </a:rPr>
+              <a:t>模型：</a:t>
+            </a:r>
+            <a:r>
+              <a:rPr lang="en-US" altLang="zh-CN">
+                <a:latin typeface="微软雅黑" panose="020B0503020204020204" charset="-122"/>
+                <a:ea typeface="微软雅黑" panose="020B0503020204020204" charset="-122"/>
+              </a:rPr>
+              <a:t>TransE</a:t>
+            </a:r>
+            <a:r>
+              <a:rPr lang="zh-CN" altLang="en-US">
+                <a:latin typeface="微软雅黑" panose="020B0503020204020204" charset="-122"/>
+                <a:ea typeface="微软雅黑" panose="020B0503020204020204" charset="-122"/>
+              </a:rPr>
+              <a:t>、</a:t>
+            </a:r>
+            <a:r>
+              <a:rPr lang="en-US" altLang="zh-CN">
+                <a:latin typeface="微软雅黑" panose="020B0503020204020204" charset="-122"/>
+                <a:ea typeface="微软雅黑" panose="020B0503020204020204" charset="-122"/>
+              </a:rPr>
+              <a:t>TransH</a:t>
+            </a:r>
+            <a:endParaRPr lang="en-US" altLang="zh-CN">
+              <a:latin typeface="微软雅黑" panose="020B0503020204020204" charset="-122"/>
+              <a:ea typeface="微软雅黑" panose="020B0503020204020204" charset="-122"/>
+            </a:endParaRPr>
+          </a:p>
+          <a:p>
+            <a:pPr lvl="2" fontAlgn="auto">
+              <a:lnSpc>
+                <a:spcPct val="120000"/>
+              </a:lnSpc>
+            </a:pPr>
+            <a:r>
+              <a:rPr lang="zh-CN" altLang="en-US">
+                <a:latin typeface="微软雅黑" panose="020B0503020204020204" charset="-122"/>
+                <a:ea typeface="微软雅黑" panose="020B0503020204020204" charset="-122"/>
+              </a:rPr>
+              <a:t>学习</a:t>
+            </a:r>
+            <a:r>
+              <a:rPr lang="zh-CN" altLang="en-US">
+                <a:latin typeface="微软雅黑" panose="020B0503020204020204" charset="-122"/>
+                <a:ea typeface="微软雅黑" panose="020B0503020204020204" charset="-122"/>
+              </a:rPr>
+              <a:t>中</a:t>
+            </a:r>
+            <a:endParaRPr lang="zh-CN" altLang="en-US">
+              <a:latin typeface="微软雅黑" panose="020B0503020204020204" charset="-122"/>
+              <a:ea typeface="微软雅黑" panose="020B0503020204020204" charset="-122"/>
+            </a:endParaRPr>
+          </a:p>
+          <a:p>
+            <a:pPr lvl="1" fontAlgn="auto">
+              <a:lnSpc>
+                <a:spcPct val="120000"/>
+              </a:lnSpc>
+            </a:pPr>
+            <a:endParaRPr lang="zh-CN" altLang="en-US">
+              <a:latin typeface="微软雅黑" panose="020B0503020204020204" charset="-122"/>
+              <a:ea typeface="微软雅黑" panose="020B0503020204020204" charset="-122"/>
+            </a:endParaRPr>
+          </a:p>
+          <a:p>
+            <a:pPr lvl="1"/>
+            <a:endParaRPr lang="zh-CN" altLang="en-US">
+              <a:latin typeface="微软雅黑" panose="020B0503020204020204" charset="-122"/>
+              <a:ea typeface="微软雅黑" panose="020B0503020204020204" charset="-122"/>
+            </a:endParaRPr>
+          </a:p>
+        </p:txBody>
+      </p:sp>
+      <p:sp>
+        <p:nvSpPr>
+          <p:cNvPr id="3" name="标题 2"/>
+          <p:cNvSpPr>
+            <a:spLocks noGrp="1"/>
+          </p:cNvSpPr>
+          <p:nvPr>
+            <p:ph type="title"/>
+          </p:nvPr>
+        </p:nvSpPr>
+        <p:spPr/>
+        <p:txBody>
+          <a:bodyPr/>
+          <a:lstStyle/>
+          <a:p>
+            <a:r>
+              <a:rPr lang="zh-CN" altLang="en-US"/>
+              <a:t>工作总结</a:t>
+            </a:r>
+            <a:endParaRPr lang="zh-CN" altLang="en-US"/>
+          </a:p>
+        </p:txBody>
+      </p:sp>
+      <p:sp>
+        <p:nvSpPr>
+          <p:cNvPr id="5" name="椭圆 4"/>
+          <p:cNvSpPr/>
+          <p:nvPr>
+            <p:custDataLst>
+              <p:tags r:id="rId2"/>
+            </p:custDataLst>
+          </p:nvPr>
+        </p:nvSpPr>
+        <p:spPr>
+          <a:xfrm>
+            <a:off x="3481070" y="3134360"/>
+            <a:ext cx="1080770" cy="1073150"/>
+          </a:xfrm>
+          <a:prstGeom prst="ellipse">
+            <a:avLst/>
+          </a:prstGeom>
+        </p:spPr>
+        <p:style>
+          <a:lnRef idx="2">
+            <a:schemeClr val="accent1">
+              <a:shade val="50000"/>
+            </a:schemeClr>
+          </a:lnRef>
+          <a:fillRef idx="1">
+            <a:schemeClr val="accent1"/>
+          </a:fillRef>
+          <a:effectRef idx="0">
+            <a:schemeClr val="accent1"/>
+          </a:effectRef>
+          <a:fontRef idx="minor">
+            <a:schemeClr val="lt1"/>
+          </a:fontRef>
+        </p:style>
+        <p:txBody>
+          <a:bodyPr rtlCol="0" anchor="ctr"/>
+          <a:p>
+            <a:pPr algn="ctr"/>
+            <a:r>
+              <a:rPr lang="zh-CN" altLang="en-US"/>
+              <a:t>网元</a:t>
+            </a:r>
+            <a:r>
+              <a:rPr lang="en-US" altLang="zh-CN"/>
+              <a:t>h</a:t>
+            </a:r>
+            <a:endParaRPr lang="en-US" altLang="zh-CN"/>
+          </a:p>
+        </p:txBody>
+      </p:sp>
+      <p:sp>
+        <p:nvSpPr>
+          <p:cNvPr id="7" name="右箭头 6"/>
+          <p:cNvSpPr/>
+          <p:nvPr>
+            <p:custDataLst>
+              <p:tags r:id="rId3"/>
+            </p:custDataLst>
+          </p:nvPr>
+        </p:nvSpPr>
+        <p:spPr>
+          <a:xfrm>
+            <a:off x="4814570" y="3376295"/>
+            <a:ext cx="1200785" cy="588645"/>
+          </a:xfrm>
+          <a:prstGeom prst="rightArrow">
+            <a:avLst/>
+          </a:prstGeom>
+        </p:spPr>
+        <p:style>
+          <a:lnRef idx="2">
+            <a:schemeClr val="accent1">
+              <a:shade val="50000"/>
+            </a:schemeClr>
+          </a:lnRef>
+          <a:fillRef idx="1">
+            <a:schemeClr val="accent1"/>
+          </a:fillRef>
+          <a:effectRef idx="0">
+            <a:schemeClr val="accent1"/>
+          </a:effectRef>
+          <a:fontRef idx="minor">
+            <a:schemeClr val="lt1"/>
+          </a:fontRef>
+        </p:style>
+        <p:txBody>
+          <a:bodyPr rtlCol="0" anchor="ctr"/>
+          <a:p>
+            <a:pPr algn="ctr"/>
+            <a:r>
+              <a:rPr lang="zh-CN" altLang="en-US"/>
+              <a:t>告警</a:t>
+            </a:r>
+            <a:r>
+              <a:rPr lang="en-US" altLang="zh-CN"/>
+              <a:t>r</a:t>
+            </a:r>
+            <a:endParaRPr lang="en-US" altLang="zh-CN"/>
+          </a:p>
+        </p:txBody>
+      </p:sp>
+      <p:sp>
+        <p:nvSpPr>
+          <p:cNvPr id="9" name="椭圆 8"/>
+          <p:cNvSpPr/>
+          <p:nvPr>
+            <p:custDataLst>
+              <p:tags r:id="rId4"/>
+            </p:custDataLst>
+          </p:nvPr>
+        </p:nvSpPr>
+        <p:spPr>
+          <a:xfrm>
+            <a:off x="6225540" y="3134360"/>
+            <a:ext cx="1080770" cy="1073150"/>
+          </a:xfrm>
+          <a:prstGeom prst="ellipse">
+            <a:avLst/>
+          </a:prstGeom>
+        </p:spPr>
+        <p:style>
+          <a:lnRef idx="2">
+            <a:schemeClr val="accent1">
+              <a:shade val="50000"/>
+            </a:schemeClr>
+          </a:lnRef>
+          <a:fillRef idx="1">
+            <a:schemeClr val="accent1"/>
+          </a:fillRef>
+          <a:effectRef idx="0">
+            <a:schemeClr val="accent1"/>
+          </a:effectRef>
+          <a:fontRef idx="minor">
+            <a:schemeClr val="lt1"/>
+          </a:fontRef>
+        </p:style>
+        <p:txBody>
+          <a:bodyPr rtlCol="0" anchor="ctr"/>
+          <a:p>
+            <a:pPr algn="ctr"/>
+            <a:r>
+              <a:rPr lang="en-US" altLang="zh-CN"/>
+              <a:t>?</a:t>
+            </a:r>
+            <a:endParaRPr lang="en-US" altLang="zh-CN"/>
+          </a:p>
+        </p:txBody>
+      </p:sp>
+      <p:pic>
+        <p:nvPicPr>
+          <p:cNvPr id="101" name="图片 100"/>
+          <p:cNvPicPr/>
+          <p:nvPr/>
+        </p:nvPicPr>
+        <p:blipFill>
+          <a:blip r:embed="rId5"/>
+          <a:stretch>
+            <a:fillRect/>
+          </a:stretch>
+        </p:blipFill>
+        <p:spPr>
+          <a:xfrm>
+            <a:off x="6684645" y="4323715"/>
+            <a:ext cx="5331460" cy="2457450"/>
+          </a:xfrm>
+          <a:prstGeom prst="rect">
+            <a:avLst/>
+          </a:prstGeom>
+          <a:noFill/>
+          <a:ln w="9525">
+            <a:noFill/>
+          </a:ln>
+        </p:spPr>
+      </p:pic>
+    </p:spTree>
+  </p:cSld>
+  <p:clrMapOvr>
+    <a:masterClrMapping/>
+  </p:clrMapOvr>
+</p:sld>
+</file>
+
+<file path=ppt/slides/slide29.xml><?xml version="1.0" encoding="utf-8"?>
 <p:sld xmlns:a="http://schemas.openxmlformats.org/drawingml/2006/main" xmlns:r="http://schemas.openxmlformats.org/officeDocument/2006/relationships" xmlns:p="http://schemas.openxmlformats.org/presentationml/2006/main">
   <p:cSld>
     <p:spTree>
@@ -10194,14 +11565,56 @@
 
 <file path=ppt/tags/tag26.xml><?xml version="1.0" encoding="utf-8"?>
 <p:tagLst xmlns:p="http://schemas.openxmlformats.org/presentationml/2006/main">
-  <p:tag name="KSO_WPP_MARK_KEY" val="91115d27-b476-4141-a895-b7353833ceed"/>
-  <p:tag name="COMMONDATA" val="eyJoZGlkIjoiNGZjNmRiMDYwZjI0NDg5ZjZjZTAwMDFlMzI1ZTY3MDEifQ=="/>
+  <p:tag name="KSO_WM_UNIT_PLACING_PICTURE_USER_VIEWPORT" val="{&quot;height&quot;:6852.500787401575,&quot;width&quot;:16560}"/>
+</p:tagLst>
+</file>
+
+<file path=ppt/tags/tag27.xml><?xml version="1.0" encoding="utf-8"?>
+<p:tagLst xmlns:p="http://schemas.openxmlformats.org/presentationml/2006/main">
+  <p:tag name="KSO_WM_UNIT_PLACING_PICTURE_USER_VIEWPORT" val="{&quot;height&quot;:6852.500787401575,&quot;width&quot;:16560}"/>
+</p:tagLst>
+</file>
+
+<file path=ppt/tags/tag28.xml><?xml version="1.0" encoding="utf-8"?>
+<p:tagLst xmlns:p="http://schemas.openxmlformats.org/presentationml/2006/main">
+  <p:tag name="KSO_WM_BEAUTIFY_FLAG" val=""/>
+</p:tagLst>
+</file>
+
+<file path=ppt/tags/tag29.xml><?xml version="1.0" encoding="utf-8"?>
+<p:tagLst xmlns:p="http://schemas.openxmlformats.org/presentationml/2006/main">
+  <p:tag name="KSO_WM_UNIT_PLACING_PICTURE_USER_VIEWPORT" val="{&quot;height&quot;:6852.500787401575,&quot;width&quot;:16560}"/>
 </p:tagLst>
 </file>
 
 <file path=ppt/tags/tag3.xml><?xml version="1.0" encoding="utf-8"?>
 <p:tagLst xmlns:p="http://schemas.openxmlformats.org/presentationml/2006/main">
   <p:tag name="KSO_WM_UNIT_PLACING_PICTURE_USER_VIEWPORT" val="{&quot;height&quot;:6852.500787401575,&quot;width&quot;:16560}"/>
+</p:tagLst>
+</file>
+
+<file path=ppt/tags/tag30.xml><?xml version="1.0" encoding="utf-8"?>
+<p:tagLst xmlns:p="http://schemas.openxmlformats.org/presentationml/2006/main">
+  <p:tag name="KSO_WM_BEAUTIFY_FLAG" val=""/>
+</p:tagLst>
+</file>
+
+<file path=ppt/tags/tag31.xml><?xml version="1.0" encoding="utf-8"?>
+<p:tagLst xmlns:p="http://schemas.openxmlformats.org/presentationml/2006/main">
+  <p:tag name="KSO_WM_BEAUTIFY_FLAG" val=""/>
+</p:tagLst>
+</file>
+
+<file path=ppt/tags/tag32.xml><?xml version="1.0" encoding="utf-8"?>
+<p:tagLst xmlns:p="http://schemas.openxmlformats.org/presentationml/2006/main">
+  <p:tag name="KSO_WM_BEAUTIFY_FLAG" val=""/>
+</p:tagLst>
+</file>
+
+<file path=ppt/tags/tag33.xml><?xml version="1.0" encoding="utf-8"?>
+<p:tagLst xmlns:p="http://schemas.openxmlformats.org/presentationml/2006/main">
+  <p:tag name="KSO_WPP_MARK_KEY" val="91115d27-b476-4141-a895-b7353833ceed"/>
+  <p:tag name="COMMONDATA" val="eyJoZGlkIjoiNGZjNmRiMDYwZjI0NDg5ZjZjZTAwMDFlMzI1ZTY3MDEifQ=="/>
 </p:tagLst>
 </file>
 
